--- a/Vendor_Boards/Great_Cow_Basic_Demo_Board/16F17556_chiprange_demonstrations/tutorials/GCBASIC_Part6_Using_the_Reset.pptx
+++ b/Vendor_Boards/Great_Cow_Basic_Demo_Board/16F17556_chiprange_demonstrations/tutorials/GCBASIC_Part6_Using_the_Reset.pptx
@@ -14,13 +14,13 @@
     <p:sldId id="294" r:id="rId2"/>
     <p:sldId id="256" r:id="rId3"/>
     <p:sldId id="295" r:id="rId4"/>
-    <p:sldId id="283" r:id="rId5"/>
+    <p:sldId id="327" r:id="rId5"/>
     <p:sldId id="296" r:id="rId6"/>
     <p:sldId id="282" r:id="rId7"/>
     <p:sldId id="291" r:id="rId8"/>
     <p:sldId id="325" r:id="rId9"/>
-    <p:sldId id="301" r:id="rId10"/>
-    <p:sldId id="285" r:id="rId11"/>
+    <p:sldId id="329" r:id="rId10"/>
+    <p:sldId id="328" r:id="rId11"/>
     <p:sldId id="326" r:id="rId12"/>
     <p:sldId id="322" r:id="rId13"/>
     <p:sldId id="288" r:id="rId14"/>
@@ -210,7 +210,7 @@
             <a:fld id="{742E545A-AB39-44F0-B5A6-04A90C6C9399}" type="datetimeFigureOut">
               <a:rPr lang="en-GB" smtClean="0"/>
               <a:pPr/>
-              <a:t>19/11/2024</a:t>
+              <a:t>24/11/2025</a:t>
             </a:fld>
             <a:endParaRPr lang="en-GB" dirty="0"/>
           </a:p>
@@ -377,7 +377,7 @@
             <a:fld id="{FF100B3C-2E11-428B-8555-A77018253716}" type="datetimeFigureOut">
               <a:rPr lang="en-GB" smtClean="0"/>
               <a:pPr/>
-              <a:t>19/11/2024</a:t>
+              <a:t>24/11/2025</a:t>
             </a:fld>
             <a:endParaRPr lang="en-GB" dirty="0"/>
           </a:p>
@@ -1292,7 +1292,7 @@
             <a:fld id="{C473AACB-D821-4991-9D88-46EB8D29E619}" type="datetimeFigureOut">
               <a:rPr lang="en-GB" smtClean="0"/>
               <a:pPr/>
-              <a:t>19/11/2024</a:t>
+              <a:t>24/11/2025</a:t>
             </a:fld>
             <a:endParaRPr lang="en-GB" dirty="0"/>
           </a:p>
@@ -1586,7 +1586,7 @@
             <a:fld id="{C473AACB-D821-4991-9D88-46EB8D29E619}" type="datetimeFigureOut">
               <a:rPr lang="en-GB" smtClean="0"/>
               <a:pPr/>
-              <a:t>19/11/2024</a:t>
+              <a:t>24/11/2025</a:t>
             </a:fld>
             <a:endParaRPr lang="en-GB" dirty="0"/>
           </a:p>
@@ -1839,7 +1839,7 @@
             <a:fld id="{C473AACB-D821-4991-9D88-46EB8D29E619}" type="datetimeFigureOut">
               <a:rPr lang="en-GB" smtClean="0"/>
               <a:pPr/>
-              <a:t>19/11/2024</a:t>
+              <a:t>24/11/2025</a:t>
             </a:fld>
             <a:endParaRPr lang="en-GB" dirty="0"/>
           </a:p>
@@ -2184,7 +2184,7 @@
             <a:fld id="{C473AACB-D821-4991-9D88-46EB8D29E619}" type="datetimeFigureOut">
               <a:rPr lang="en-GB" smtClean="0"/>
               <a:pPr/>
-              <a:t>19/11/2024</a:t>
+              <a:t>24/11/2025</a:t>
             </a:fld>
             <a:endParaRPr lang="en-GB" dirty="0"/>
           </a:p>
@@ -2556,7 +2556,7 @@
             <a:fld id="{C473AACB-D821-4991-9D88-46EB8D29E619}" type="datetimeFigureOut">
               <a:rPr lang="en-GB" smtClean="0"/>
               <a:pPr/>
-              <a:t>19/11/2024</a:t>
+              <a:t>24/11/2025</a:t>
             </a:fld>
             <a:endParaRPr lang="en-GB" dirty="0"/>
           </a:p>
@@ -2902,7 +2902,7 @@
             <a:fld id="{C473AACB-D821-4991-9D88-46EB8D29E619}" type="datetimeFigureOut">
               <a:rPr lang="en-GB" smtClean="0"/>
               <a:pPr/>
-              <a:t>19/11/2024</a:t>
+              <a:t>24/11/2025</a:t>
             </a:fld>
             <a:endParaRPr lang="en-GB" dirty="0"/>
           </a:p>
@@ -3326,7 +3326,7 @@
             <a:fld id="{C473AACB-D821-4991-9D88-46EB8D29E619}" type="datetimeFigureOut">
               <a:rPr lang="en-GB" smtClean="0"/>
               <a:pPr/>
-              <a:t>19/11/2024</a:t>
+              <a:t>24/11/2025</a:t>
             </a:fld>
             <a:endParaRPr lang="en-GB" dirty="0"/>
           </a:p>
@@ -3561,7 +3561,7 @@
             <a:fld id="{C473AACB-D821-4991-9D88-46EB8D29E619}" type="datetimeFigureOut">
               <a:rPr lang="en-GB" smtClean="0"/>
               <a:pPr/>
-              <a:t>19/11/2024</a:t>
+              <a:t>24/11/2025</a:t>
             </a:fld>
             <a:endParaRPr lang="en-GB" dirty="0"/>
           </a:p>
@@ -3772,7 +3772,7 @@
             <a:fld id="{C473AACB-D821-4991-9D88-46EB8D29E619}" type="datetimeFigureOut">
               <a:rPr lang="en-GB" smtClean="0"/>
               <a:pPr/>
-              <a:t>19/11/2024</a:t>
+              <a:t>24/11/2025</a:t>
             </a:fld>
             <a:endParaRPr lang="en-GB" dirty="0"/>
           </a:p>
@@ -3990,7 +3990,7 @@
             <a:fld id="{C473AACB-D821-4991-9D88-46EB8D29E619}" type="datetimeFigureOut">
               <a:rPr lang="en-GB" smtClean="0"/>
               <a:pPr/>
-              <a:t>19/11/2024</a:t>
+              <a:t>24/11/2025</a:t>
             </a:fld>
             <a:endParaRPr lang="en-GB" dirty="0"/>
           </a:p>
@@ -4805,7 +4805,7 @@
             <a:fld id="{C473AACB-D821-4991-9D88-46EB8D29E619}" type="datetimeFigureOut">
               <a:rPr lang="en-GB" smtClean="0"/>
               <a:pPr/>
-              <a:t>19/11/2024</a:t>
+              <a:t>24/11/2025</a:t>
             </a:fld>
             <a:endParaRPr lang="en-GB" dirty="0"/>
           </a:p>
@@ -5619,7 +5619,7 @@
             <a:fld id="{C473AACB-D821-4991-9D88-46EB8D29E619}" type="datetimeFigureOut">
               <a:rPr lang="en-GB" smtClean="0"/>
               <a:pPr/>
-              <a:t>19/11/2024</a:t>
+              <a:t>24/11/2025</a:t>
             </a:fld>
             <a:endParaRPr lang="en-GB" dirty="0"/>
           </a:p>
@@ -5868,7 +5868,7 @@
             <a:fld id="{C473AACB-D821-4991-9D88-46EB8D29E619}" type="datetimeFigureOut">
               <a:rPr lang="en-GB" smtClean="0"/>
               <a:pPr/>
-              <a:t>19/11/2024</a:t>
+              <a:t>24/11/2025</a:t>
             </a:fld>
             <a:endParaRPr lang="en-GB" dirty="0"/>
           </a:p>
@@ -6132,7 +6132,7 @@
             <a:fld id="{C473AACB-D821-4991-9D88-46EB8D29E619}" type="datetimeFigureOut">
               <a:rPr lang="en-GB" smtClean="0"/>
               <a:pPr/>
-              <a:t>19/11/2024</a:t>
+              <a:t>24/11/2025</a:t>
             </a:fld>
             <a:endParaRPr lang="en-GB" dirty="0"/>
           </a:p>
@@ -6572,7 +6572,7 @@
             <a:fld id="{C473AACB-D821-4991-9D88-46EB8D29E619}" type="datetimeFigureOut">
               <a:rPr lang="en-GB" smtClean="0"/>
               <a:pPr/>
-              <a:t>19/11/2024</a:t>
+              <a:t>24/11/2025</a:t>
             </a:fld>
             <a:endParaRPr lang="en-GB" dirty="0"/>
           </a:p>
@@ -6727,7 +6727,7 @@
             <a:fld id="{C473AACB-D821-4991-9D88-46EB8D29E619}" type="datetimeFigureOut">
               <a:rPr lang="en-GB" smtClean="0"/>
               <a:pPr/>
-              <a:t>19/11/2024</a:t>
+              <a:t>24/11/2025</a:t>
             </a:fld>
             <a:endParaRPr lang="en-GB" dirty="0"/>
           </a:p>
@@ -6824,7 +6824,7 @@
             <a:fld id="{C473AACB-D821-4991-9D88-46EB8D29E619}" type="datetimeFigureOut">
               <a:rPr lang="en-GB" smtClean="0"/>
               <a:pPr/>
-              <a:t>19/11/2024</a:t>
+              <a:t>24/11/2025</a:t>
             </a:fld>
             <a:endParaRPr lang="en-GB" dirty="0"/>
           </a:p>
@@ -7601,7 +7601,7 @@
             <a:fld id="{C473AACB-D821-4991-9D88-46EB8D29E619}" type="datetimeFigureOut">
               <a:rPr lang="en-GB" smtClean="0"/>
               <a:pPr/>
-              <a:t>19/11/2024</a:t>
+              <a:t>24/11/2025</a:t>
             </a:fld>
             <a:endParaRPr lang="en-GB" dirty="0"/>
           </a:p>
@@ -8170,7 +8170,7 @@
           <a:p>
             <a:r>
               <a:rPr lang="en-GB" dirty="0" smtClean="0"/>
-              <a:t>PIC18FxxQ24</a:t>
+              <a:t>PIC16F175xx</a:t>
             </a:r>
           </a:p>
           <a:p>
@@ -8258,37 +8258,32 @@
           <a:lstStyle/>
           <a:p>
             <a:r>
-              <a:rPr lang="en-GB" dirty="0" smtClean="0"/>
+              <a:rPr lang="en-GB" dirty="0"/>
               <a:t>Prototype Board</a:t>
             </a:r>
-            <a:endParaRPr lang="en-GB" dirty="0"/>
-          </a:p>
-          <a:p>
-            <a:r>
-              <a:rPr lang="en-GB" dirty="0" smtClean="0"/>
+          </a:p>
+          <a:p>
+            <a:r>
+              <a:rPr lang="en-GB" dirty="0"/>
               <a:t>Power 5v0</a:t>
             </a:r>
           </a:p>
           <a:p>
             <a:r>
-              <a:rPr lang="en-GB" dirty="0" smtClean="0"/>
+              <a:rPr lang="en-GB" dirty="0"/>
               <a:t>Programmer</a:t>
             </a:r>
           </a:p>
           <a:p>
             <a:r>
-              <a:rPr lang="en-GB" dirty="0" smtClean="0"/>
+              <a:rPr lang="en-GB" dirty="0"/>
               <a:t>LEDs &amp; resistors</a:t>
             </a:r>
           </a:p>
           <a:p>
             <a:r>
-              <a:rPr lang="en-GB" dirty="0" smtClean="0"/>
-              <a:t>Switches </a:t>
-            </a:r>
-            <a:r>
-              <a:rPr lang="en-GB" dirty="0" smtClean="0"/>
-              <a:t>&amp; resistors</a:t>
+              <a:rPr lang="en-GB" dirty="0"/>
+              <a:t>Switch &amp; resistors</a:t>
             </a:r>
           </a:p>
           <a:p>
@@ -8304,8 +8299,8 @@
         </p:nvSpPr>
         <p:spPr>
           <a:xfrm>
-            <a:off x="2483768" y="1275606"/>
-            <a:ext cx="4968552" cy="3785652"/>
+            <a:off x="2190768" y="1199484"/>
+            <a:ext cx="5328592" cy="3970318"/>
           </a:xfrm>
           <a:prstGeom prst="rect">
             <a:avLst/>
@@ -8330,55 +8325,382 @@
           </a:p>
           <a:p>
             <a:r>
+              <a:rPr lang="en-GB" sz="1200" b="1" dirty="0" smtClean="0">
+                <a:latin typeface="Courier New" panose="02070309020205020404" pitchFamily="49" charset="0"/>
+                <a:cs typeface="Courier New" panose="02070309020205020404" pitchFamily="49" charset="0"/>
+              </a:rPr>
+              <a:t>-------------------</a:t>
+            </a:r>
+            <a:r>
               <a:rPr lang="en-GB" sz="1200" b="1" dirty="0">
                 <a:latin typeface="Courier New" panose="02070309020205020404" pitchFamily="49" charset="0"/>
                 <a:cs typeface="Courier New" panose="02070309020205020404" pitchFamily="49" charset="0"/>
               </a:rPr>
-              <a:t>    -------------------PORTA----------------</a:t>
-            </a:r>
-          </a:p>
-          <a:p>
+              <a:t>PORTA-</a:t>
+            </a:r>
+            <a:r>
+              <a:rPr lang="en-GB" sz="1200" b="1" dirty="0" smtClean="0">
+                <a:latin typeface="Courier New" panose="02070309020205020404" pitchFamily="49" charset="0"/>
+                <a:cs typeface="Courier New" panose="02070309020205020404" pitchFamily="49" charset="0"/>
+              </a:rPr>
+              <a:t>---------------</a:t>
+            </a:r>
+            <a:endParaRPr lang="en-GB" sz="1200" b="1" dirty="0">
+              <a:latin typeface="Courier New" panose="02070309020205020404" pitchFamily="49" charset="0"/>
+              <a:cs typeface="Courier New" panose="02070309020205020404" pitchFamily="49" charset="0"/>
+            </a:endParaRPr>
+          </a:p>
+          <a:p>
+            <a:r>
+              <a:rPr lang="en-GB" sz="1200" b="1" dirty="0" smtClean="0">
+                <a:latin typeface="Courier New" panose="02070309020205020404" pitchFamily="49" charset="0"/>
+                <a:cs typeface="Courier New" panose="02070309020205020404" pitchFamily="49" charset="0"/>
+              </a:rPr>
+              <a:t>Bit</a:t>
+            </a:r>
             <a:r>
               <a:rPr lang="en-GB" sz="1200" b="1" dirty="0">
                 <a:latin typeface="Courier New" panose="02070309020205020404" pitchFamily="49" charset="0"/>
                 <a:cs typeface="Courier New" panose="02070309020205020404" pitchFamily="49" charset="0"/>
               </a:rPr>
-              <a:t>    Bit#:  -7---6---5---4---3---2---1---0---</a:t>
-            </a:r>
-          </a:p>
-          <a:p>
+              <a:t>#:  -7---6---5---4---3---2---1---0-</a:t>
+            </a:r>
+            <a:r>
+              <a:rPr lang="en-GB" sz="1200" b="1" dirty="0" smtClean="0">
+                <a:latin typeface="Courier New" panose="02070309020205020404" pitchFamily="49" charset="0"/>
+                <a:cs typeface="Courier New" panose="02070309020205020404" pitchFamily="49" charset="0"/>
+              </a:rPr>
+              <a:t>--</a:t>
+            </a:r>
+            <a:endParaRPr lang="en-GB" sz="1200" b="1" dirty="0">
+              <a:latin typeface="Courier New" panose="02070309020205020404" pitchFamily="49" charset="0"/>
+              <a:cs typeface="Courier New" panose="02070309020205020404" pitchFamily="49" charset="0"/>
+            </a:endParaRPr>
+          </a:p>
+          <a:p>
+            <a:r>
+              <a:rPr lang="en-GB" sz="1200" b="1" dirty="0" smtClean="0">
+                <a:latin typeface="Courier New" panose="02070309020205020404" pitchFamily="49" charset="0"/>
+                <a:cs typeface="Courier New" panose="02070309020205020404" pitchFamily="49" charset="0"/>
+              </a:rPr>
+              <a:t>IO</a:t>
+            </a:r>
             <a:r>
               <a:rPr lang="en-GB" sz="1200" b="1" dirty="0">
                 <a:latin typeface="Courier New" panose="02070309020205020404" pitchFamily="49" charset="0"/>
                 <a:cs typeface="Courier New" panose="02070309020205020404" pitchFamily="49" charset="0"/>
               </a:rPr>
-              <a:t>    IO:    </a:t>
+              <a:t>:   -----------------SW----------ADC-</a:t>
             </a:r>
             <a:r>
               <a:rPr lang="en-GB" sz="1200" b="1" dirty="0" smtClean="0">
                 <a:latin typeface="Courier New" panose="02070309020205020404" pitchFamily="49" charset="0"/>
                 <a:cs typeface="Courier New" panose="02070309020205020404" pitchFamily="49" charset="0"/>
               </a:rPr>
-              <a:t>----------------SW----------ADC-</a:t>
+              <a:t>-</a:t>
+            </a:r>
+            <a:endParaRPr lang="en-GB" sz="1200" b="1" dirty="0">
+              <a:latin typeface="Courier New" panose="02070309020205020404" pitchFamily="49" charset="0"/>
+              <a:cs typeface="Courier New" panose="02070309020205020404" pitchFamily="49" charset="0"/>
+            </a:endParaRPr>
+          </a:p>
+          <a:p>
+            <a:r>
+              <a:rPr lang="en-GB" sz="1200" b="1" dirty="0" smtClean="0">
+                <a:latin typeface="Courier New" panose="02070309020205020404" pitchFamily="49" charset="0"/>
+                <a:cs typeface="Courier New" panose="02070309020205020404" pitchFamily="49" charset="0"/>
+              </a:rPr>
+              <a:t>----------------------------------------</a:t>
+            </a:r>
+            <a:endParaRPr lang="en-GB" sz="1200" b="1" dirty="0">
+              <a:latin typeface="Courier New" panose="02070309020205020404" pitchFamily="49" charset="0"/>
+              <a:cs typeface="Courier New" panose="02070309020205020404" pitchFamily="49" charset="0"/>
+            </a:endParaRPr>
+          </a:p>
+          <a:p>
+            <a:endParaRPr lang="en-GB" sz="1200" b="1" dirty="0">
+              <a:latin typeface="Courier New" panose="02070309020205020404" pitchFamily="49" charset="0"/>
+              <a:cs typeface="Courier New" panose="02070309020205020404" pitchFamily="49" charset="0"/>
+            </a:endParaRPr>
+          </a:p>
+          <a:p>
+            <a:r>
+              <a:rPr lang="en-GB" sz="1200" b="1" dirty="0" smtClean="0">
+                <a:latin typeface="Courier New" panose="02070309020205020404" pitchFamily="49" charset="0"/>
+                <a:cs typeface="Courier New" panose="02070309020205020404" pitchFamily="49" charset="0"/>
+              </a:rPr>
+              <a:t>-------------------</a:t>
             </a:r>
             <a:r>
               <a:rPr lang="en-GB" sz="1200" b="1" dirty="0">
                 <a:latin typeface="Courier New" panose="02070309020205020404" pitchFamily="49" charset="0"/>
                 <a:cs typeface="Courier New" panose="02070309020205020404" pitchFamily="49" charset="0"/>
               </a:rPr>
-              <a:t>- </a:t>
-            </a:r>
-          </a:p>
-          <a:p>
+              <a:t>PORTB-</a:t>
+            </a:r>
+            <a:r>
+              <a:rPr lang="en-GB" sz="1200" b="1" dirty="0" smtClean="0">
+                <a:latin typeface="Courier New" panose="02070309020205020404" pitchFamily="49" charset="0"/>
+                <a:cs typeface="Courier New" panose="02070309020205020404" pitchFamily="49" charset="0"/>
+              </a:rPr>
+              <a:t>---------------</a:t>
+            </a:r>
+            <a:endParaRPr lang="en-GB" sz="1200" b="1" dirty="0">
+              <a:latin typeface="Courier New" panose="02070309020205020404" pitchFamily="49" charset="0"/>
+              <a:cs typeface="Courier New" panose="02070309020205020404" pitchFamily="49" charset="0"/>
+            </a:endParaRPr>
+          </a:p>
+          <a:p>
+            <a:r>
+              <a:rPr lang="en-GB" sz="1200" b="1" dirty="0" smtClean="0">
+                <a:latin typeface="Courier New" panose="02070309020205020404" pitchFamily="49" charset="0"/>
+                <a:cs typeface="Courier New" panose="02070309020205020404" pitchFamily="49" charset="0"/>
+              </a:rPr>
+              <a:t>Bit</a:t>
+            </a:r>
             <a:r>
               <a:rPr lang="en-GB" sz="1200" b="1" dirty="0">
                 <a:latin typeface="Courier New" panose="02070309020205020404" pitchFamily="49" charset="0"/>
                 <a:cs typeface="Courier New" panose="02070309020205020404" pitchFamily="49" charset="0"/>
               </a:rPr>
-              <a:t>    ----------------------------------------</a:t>
-            </a:r>
-          </a:p>
-          <a:p>
+              <a:t>#:  -7---6---5---4---3---2---1---0-</a:t>
+            </a:r>
+            <a:r>
+              <a:rPr lang="en-GB" sz="1200" b="1" dirty="0" smtClean="0">
+                <a:latin typeface="Courier New" panose="02070309020205020404" pitchFamily="49" charset="0"/>
+                <a:cs typeface="Courier New" panose="02070309020205020404" pitchFamily="49" charset="0"/>
+              </a:rPr>
+              <a:t>--</a:t>
+            </a:r>
+            <a:endParaRPr lang="en-GB" sz="1200" b="1" dirty="0">
+              <a:latin typeface="Courier New" panose="02070309020205020404" pitchFamily="49" charset="0"/>
+              <a:cs typeface="Courier New" panose="02070309020205020404" pitchFamily="49" charset="0"/>
+            </a:endParaRPr>
+          </a:p>
+          <a:p>
+            <a:r>
+              <a:rPr lang="en-GB" sz="1200" b="1" dirty="0" smtClean="0">
+                <a:latin typeface="Courier New" panose="02070309020205020404" pitchFamily="49" charset="0"/>
+                <a:cs typeface="Courier New" panose="02070309020205020404" pitchFamily="49" charset="0"/>
+              </a:rPr>
+              <a:t>IO</a:t>
+            </a:r>
+            <a:r>
+              <a:rPr lang="en-GB" sz="1200" b="1" dirty="0">
+                <a:latin typeface="Courier New" panose="02070309020205020404" pitchFamily="49" charset="0"/>
+                <a:cs typeface="Courier New" panose="02070309020205020404" pitchFamily="49" charset="0"/>
+              </a:rPr>
+              <a:t>:    </a:t>
+            </a:r>
+            <a:r>
+              <a:rPr lang="en-GB" sz="1200" b="1" dirty="0" smtClean="0">
+                <a:latin typeface="Courier New" panose="02070309020205020404" pitchFamily="49" charset="0"/>
+                <a:cs typeface="Courier New" panose="02070309020205020404" pitchFamily="49" charset="0"/>
+              </a:rPr>
+              <a:t>---------------------------------</a:t>
+            </a:r>
+            <a:endParaRPr lang="en-GB" sz="1200" b="1" dirty="0">
+              <a:latin typeface="Courier New" panose="02070309020205020404" pitchFamily="49" charset="0"/>
+              <a:cs typeface="Courier New" panose="02070309020205020404" pitchFamily="49" charset="0"/>
+            </a:endParaRPr>
+          </a:p>
+          <a:p>
+            <a:r>
+              <a:rPr lang="en-GB" sz="1200" b="1" dirty="0" smtClean="0">
+                <a:latin typeface="Courier New" panose="02070309020205020404" pitchFamily="49" charset="0"/>
+                <a:cs typeface="Courier New" panose="02070309020205020404" pitchFamily="49" charset="0"/>
+              </a:rPr>
+              <a:t>----------------------------------------</a:t>
+            </a:r>
+            <a:endParaRPr lang="en-GB" sz="1200" b="1" dirty="0">
+              <a:latin typeface="Courier New" panose="02070309020205020404" pitchFamily="49" charset="0"/>
+              <a:cs typeface="Courier New" panose="02070309020205020404" pitchFamily="49" charset="0"/>
+            </a:endParaRPr>
+          </a:p>
+          <a:p>
+            <a:endParaRPr lang="en-GB" sz="1200" b="1" dirty="0">
+              <a:latin typeface="Courier New" panose="02070309020205020404" pitchFamily="49" charset="0"/>
+              <a:cs typeface="Courier New" panose="02070309020205020404" pitchFamily="49" charset="0"/>
+            </a:endParaRPr>
+          </a:p>
+          <a:p>
+            <a:r>
+              <a:rPr lang="en-GB" sz="1200" b="1" dirty="0" smtClean="0">
+                <a:latin typeface="Courier New" panose="02070309020205020404" pitchFamily="49" charset="0"/>
+                <a:cs typeface="Courier New" panose="02070309020205020404" pitchFamily="49" charset="0"/>
+              </a:rPr>
+              <a:t>------------------</a:t>
+            </a:r>
+            <a:r>
+              <a:rPr lang="en-GB" sz="1200" b="1" dirty="0">
+                <a:latin typeface="Courier New" panose="02070309020205020404" pitchFamily="49" charset="0"/>
+                <a:cs typeface="Courier New" panose="02070309020205020404" pitchFamily="49" charset="0"/>
+              </a:rPr>
+              <a:t>PORTC-</a:t>
+            </a:r>
+            <a:r>
+              <a:rPr lang="en-GB" sz="1200" b="1" dirty="0" smtClean="0">
+                <a:latin typeface="Courier New" panose="02070309020205020404" pitchFamily="49" charset="0"/>
+                <a:cs typeface="Courier New" panose="02070309020205020404" pitchFamily="49" charset="0"/>
+              </a:rPr>
+              <a:t>----------------</a:t>
+            </a:r>
+            <a:endParaRPr lang="en-GB" sz="1200" b="1" dirty="0">
+              <a:latin typeface="Courier New" panose="02070309020205020404" pitchFamily="49" charset="0"/>
+              <a:cs typeface="Courier New" panose="02070309020205020404" pitchFamily="49" charset="0"/>
+            </a:endParaRPr>
+          </a:p>
+          <a:p>
+            <a:r>
+              <a:rPr lang="en-GB" sz="1200" b="1" dirty="0" smtClean="0">
+                <a:latin typeface="Courier New" panose="02070309020205020404" pitchFamily="49" charset="0"/>
+                <a:cs typeface="Courier New" panose="02070309020205020404" pitchFamily="49" charset="0"/>
+              </a:rPr>
+              <a:t>Bit</a:t>
+            </a:r>
+            <a:r>
+              <a:rPr lang="en-GB" sz="1200" b="1" dirty="0">
+                <a:latin typeface="Courier New" panose="02070309020205020404" pitchFamily="49" charset="0"/>
+                <a:cs typeface="Courier New" panose="02070309020205020404" pitchFamily="49" charset="0"/>
+              </a:rPr>
+              <a:t>#:  -7---6---5---4---3---2---1---0-</a:t>
+            </a:r>
+            <a:r>
+              <a:rPr lang="en-GB" sz="1200" b="1" dirty="0" smtClean="0">
+                <a:latin typeface="Courier New" panose="02070309020205020404" pitchFamily="49" charset="0"/>
+                <a:cs typeface="Courier New" panose="02070309020205020404" pitchFamily="49" charset="0"/>
+              </a:rPr>
+              <a:t>--</a:t>
+            </a:r>
+            <a:endParaRPr lang="en-GB" sz="1200" b="1" dirty="0">
+              <a:latin typeface="Courier New" panose="02070309020205020404" pitchFamily="49" charset="0"/>
+              <a:cs typeface="Courier New" panose="02070309020205020404" pitchFamily="49" charset="0"/>
+            </a:endParaRPr>
+          </a:p>
+          <a:p>
+            <a:r>
+              <a:rPr lang="en-GB" sz="1200" b="1" dirty="0" smtClean="0">
+                <a:latin typeface="Courier New" panose="02070309020205020404" pitchFamily="49" charset="0"/>
+                <a:cs typeface="Courier New" panose="02070309020205020404" pitchFamily="49" charset="0"/>
+              </a:rPr>
+              <a:t>IO</a:t>
+            </a:r>
+            <a:r>
+              <a:rPr lang="en-GB" sz="1200" b="1" dirty="0">
+                <a:latin typeface="Courier New" panose="02070309020205020404" pitchFamily="49" charset="0"/>
+                <a:cs typeface="Courier New" panose="02070309020205020404" pitchFamily="49" charset="0"/>
+              </a:rPr>
+              <a:t>:    ---------------LED--LED-LED LED-</a:t>
+            </a:r>
+            <a:r>
+              <a:rPr lang="en-GB" sz="1200" b="1" dirty="0" smtClean="0">
+                <a:latin typeface="Courier New" panose="02070309020205020404" pitchFamily="49" charset="0"/>
+                <a:cs typeface="Courier New" panose="02070309020205020404" pitchFamily="49" charset="0"/>
+              </a:rPr>
+              <a:t>-</a:t>
+            </a:r>
+            <a:endParaRPr lang="en-GB" sz="1200" b="1" dirty="0">
+              <a:latin typeface="Courier New" panose="02070309020205020404" pitchFamily="49" charset="0"/>
+              <a:cs typeface="Courier New" panose="02070309020205020404" pitchFamily="49" charset="0"/>
+            </a:endParaRPr>
+          </a:p>
+          <a:p>
+            <a:r>
+              <a:rPr lang="en-GB" sz="1200" b="1" dirty="0" smtClean="0">
+                <a:latin typeface="Courier New" panose="02070309020205020404" pitchFamily="49" charset="0"/>
+                <a:cs typeface="Courier New" panose="02070309020205020404" pitchFamily="49" charset="0"/>
+              </a:rPr>
+              <a:t>----------------------------------------</a:t>
+            </a:r>
+            <a:endParaRPr lang="en-GB" sz="1200" b="1" dirty="0">
+              <a:latin typeface="Courier New" panose="02070309020205020404" pitchFamily="49" charset="0"/>
+              <a:cs typeface="Courier New" panose="02070309020205020404" pitchFamily="49" charset="0"/>
+            </a:endParaRPr>
+          </a:p>
+          <a:p>
+            <a:endParaRPr lang="en-GB" sz="1200" b="1" dirty="0">
+              <a:latin typeface="Courier New" panose="02070309020205020404" pitchFamily="49" charset="0"/>
+              <a:cs typeface="Courier New" panose="02070309020205020404" pitchFamily="49" charset="0"/>
+            </a:endParaRPr>
+          </a:p>
+          <a:p>
+            <a:r>
+              <a:rPr lang="en-GB" sz="1200" b="1" dirty="0" smtClean="0">
+                <a:latin typeface="Courier New" panose="02070309020205020404" pitchFamily="49" charset="0"/>
+                <a:cs typeface="Courier New" panose="02070309020205020404" pitchFamily="49" charset="0"/>
+              </a:rPr>
+              <a:t>------------------</a:t>
+            </a:r>
+            <a:r>
+              <a:rPr lang="en-GB" sz="1200" b="1" dirty="0">
+                <a:latin typeface="Courier New" panose="02070309020205020404" pitchFamily="49" charset="0"/>
+                <a:cs typeface="Courier New" panose="02070309020205020404" pitchFamily="49" charset="0"/>
+              </a:rPr>
+              <a:t>PORTE-</a:t>
+            </a:r>
+            <a:r>
+              <a:rPr lang="en-GB" sz="1200" b="1" dirty="0" smtClean="0">
+                <a:latin typeface="Courier New" panose="02070309020205020404" pitchFamily="49" charset="0"/>
+                <a:cs typeface="Courier New" panose="02070309020205020404" pitchFamily="49" charset="0"/>
+              </a:rPr>
+              <a:t>----------------</a:t>
+            </a:r>
+            <a:endParaRPr lang="en-GB" sz="1200" b="1" dirty="0">
+              <a:latin typeface="Courier New" panose="02070309020205020404" pitchFamily="49" charset="0"/>
+              <a:cs typeface="Courier New" panose="02070309020205020404" pitchFamily="49" charset="0"/>
+            </a:endParaRPr>
+          </a:p>
+          <a:p>
+            <a:r>
+              <a:rPr lang="en-GB" sz="1200" b="1" dirty="0" smtClean="0">
+                <a:latin typeface="Courier New" panose="02070309020205020404" pitchFamily="49" charset="0"/>
+                <a:cs typeface="Courier New" panose="02070309020205020404" pitchFamily="49" charset="0"/>
+              </a:rPr>
+              <a:t>Bit</a:t>
+            </a:r>
+            <a:r>
+              <a:rPr lang="en-GB" sz="1200" b="1" dirty="0">
+                <a:latin typeface="Courier New" panose="02070309020205020404" pitchFamily="49" charset="0"/>
+                <a:cs typeface="Courier New" panose="02070309020205020404" pitchFamily="49" charset="0"/>
+              </a:rPr>
+              <a:t>#:  -7---6---5---4---3---2---1---0-</a:t>
+            </a:r>
+            <a:r>
+              <a:rPr lang="en-GB" sz="1200" b="1" dirty="0" smtClean="0">
+                <a:latin typeface="Courier New" panose="02070309020205020404" pitchFamily="49" charset="0"/>
+                <a:cs typeface="Courier New" panose="02070309020205020404" pitchFamily="49" charset="0"/>
+              </a:rPr>
+              <a:t>--</a:t>
+            </a:r>
+            <a:endParaRPr lang="en-GB" sz="1200" b="1" dirty="0">
+              <a:latin typeface="Courier New" panose="02070309020205020404" pitchFamily="49" charset="0"/>
+              <a:cs typeface="Courier New" panose="02070309020205020404" pitchFamily="49" charset="0"/>
+            </a:endParaRPr>
+          </a:p>
+          <a:p>
+            <a:r>
+              <a:rPr lang="en-GB" sz="1200" b="1" dirty="0" smtClean="0">
+                <a:latin typeface="Courier New" panose="02070309020205020404" pitchFamily="49" charset="0"/>
+                <a:cs typeface="Courier New" panose="02070309020205020404" pitchFamily="49" charset="0"/>
+              </a:rPr>
+              <a:t>IO</a:t>
+            </a:r>
+            <a:r>
+              <a:rPr lang="en-GB" sz="1200" b="1" dirty="0">
+                <a:latin typeface="Courier New" panose="02070309020205020404" pitchFamily="49" charset="0"/>
+                <a:cs typeface="Courier New" panose="02070309020205020404" pitchFamily="49" charset="0"/>
+              </a:rPr>
+              <a:t>:    ----------------MCLR-------------</a:t>
+            </a:r>
+          </a:p>
+          <a:p>
+            <a:r>
+              <a:rPr lang="en-GB" sz="1200" b="1" dirty="0" smtClean="0">
+                <a:latin typeface="Courier New" panose="02070309020205020404" pitchFamily="49" charset="0"/>
+                <a:cs typeface="Courier New" panose="02070309020205020404" pitchFamily="49" charset="0"/>
+              </a:rPr>
+              <a:t>------------------------SW--------------</a:t>
+            </a:r>
             <a:r>
               <a:rPr lang="en-GB" sz="1200" b="1" dirty="0">
                 <a:latin typeface="Courier New" panose="02070309020205020404" pitchFamily="49" charset="0"/>
@@ -8392,216 +8714,157 @@
                 <a:cs typeface="Courier New" panose="02070309020205020404" pitchFamily="49" charset="0"/>
               </a:rPr>
             </a:br>
-            <a:r>
-              <a:rPr lang="en-GB" sz="1200" b="1" dirty="0">
-                <a:latin typeface="Courier New" panose="02070309020205020404" pitchFamily="49" charset="0"/>
-                <a:cs typeface="Courier New" panose="02070309020205020404" pitchFamily="49" charset="0"/>
-              </a:rPr>
-              <a:t>    -------------------PORTB----------------</a:t>
-            </a:r>
-          </a:p>
-          <a:p>
-            <a:r>
-              <a:rPr lang="en-GB" sz="1200" b="1" dirty="0">
-                <a:latin typeface="Courier New" panose="02070309020205020404" pitchFamily="49" charset="0"/>
-                <a:cs typeface="Courier New" panose="02070309020205020404" pitchFamily="49" charset="0"/>
-              </a:rPr>
-              <a:t>    Bit#:  -7---6---5---4---3---2---1---0---</a:t>
-            </a:r>
-          </a:p>
-          <a:p>
-            <a:r>
-              <a:rPr lang="en-GB" sz="1200" b="1" dirty="0">
-                <a:latin typeface="Courier New" panose="02070309020205020404" pitchFamily="49" charset="0"/>
-                <a:cs typeface="Courier New" panose="02070309020205020404" pitchFamily="49" charset="0"/>
-              </a:rPr>
-              <a:t>    IO:    ----------------LED-LED-LED-LED--</a:t>
-            </a:r>
-          </a:p>
-          <a:p>
-            <a:r>
-              <a:rPr lang="en-GB" sz="1200" b="1" dirty="0">
-                <a:latin typeface="Courier New" panose="02070309020205020404" pitchFamily="49" charset="0"/>
-                <a:cs typeface="Courier New" panose="02070309020205020404" pitchFamily="49" charset="0"/>
-              </a:rPr>
-              <a:t>    ----------------------------------------</a:t>
-            </a:r>
-          </a:p>
-          <a:p>
-            <a:r>
-              <a:rPr lang="en-GB" sz="1200" b="1" dirty="0">
-                <a:latin typeface="Courier New" panose="02070309020205020404" pitchFamily="49" charset="0"/>
-                <a:cs typeface="Courier New" panose="02070309020205020404" pitchFamily="49" charset="0"/>
-              </a:rPr>
-              <a:t>    </a:t>
-            </a:r>
-          </a:p>
-          <a:p>
-            <a:r>
-              <a:rPr lang="en-GB" sz="1200" b="1" dirty="0">
-                <a:latin typeface="Courier New" panose="02070309020205020404" pitchFamily="49" charset="0"/>
-                <a:cs typeface="Courier New" panose="02070309020205020404" pitchFamily="49" charset="0"/>
-              </a:rPr>
-              <a:t>    ------------------PORTC-----------------</a:t>
-            </a:r>
-          </a:p>
-          <a:p>
-            <a:r>
-              <a:rPr lang="en-GB" sz="1200" b="1" dirty="0">
-                <a:latin typeface="Courier New" panose="02070309020205020404" pitchFamily="49" charset="0"/>
-                <a:cs typeface="Courier New" panose="02070309020205020404" pitchFamily="49" charset="0"/>
-              </a:rPr>
-              <a:t>    Bit#:  -X---6---5---4---3---2---1---0---</a:t>
-            </a:r>
-          </a:p>
-          <a:p>
-            <a:r>
-              <a:rPr lang="en-GB" sz="1200" b="1" dirty="0">
-                <a:latin typeface="Courier New" panose="02070309020205020404" pitchFamily="49" charset="0"/>
-                <a:cs typeface="Courier New" panose="02070309020205020404" pitchFamily="49" charset="0"/>
-              </a:rPr>
-              <a:t>    IO:    -^-------------------------------</a:t>
-            </a:r>
-          </a:p>
-          <a:p>
-            <a:r>
-              <a:rPr lang="en-GB" sz="1200" b="1" dirty="0">
-                <a:latin typeface="Courier New" panose="02070309020205020404" pitchFamily="49" charset="0"/>
-                <a:cs typeface="Courier New" panose="02070309020205020404" pitchFamily="49" charset="0"/>
-              </a:rPr>
-              <a:t>    -----VDDIO2----------------------------- </a:t>
-            </a:r>
-            <a:endParaRPr lang="en-GB" sz="1200" b="1" dirty="0" smtClean="0">
-              <a:latin typeface="Courier New" panose="02070309020205020404" pitchFamily="49" charset="0"/>
-              <a:cs typeface="Courier New" panose="02070309020205020404" pitchFamily="49" charset="0"/>
-            </a:endParaRPr>
-          </a:p>
-          <a:p>
-            <a:r>
-              <a:rPr lang="en-GB" sz="1200" b="1" dirty="0">
-                <a:latin typeface="Courier New" panose="02070309020205020404" pitchFamily="49" charset="0"/>
-                <a:cs typeface="Courier New" panose="02070309020205020404" pitchFamily="49" charset="0"/>
-              </a:rPr>
-              <a:t> </a:t>
-            </a:r>
-            <a:r>
-              <a:rPr lang="en-GB" sz="1200" b="1" dirty="0" smtClean="0">
-                <a:latin typeface="Courier New" panose="02070309020205020404" pitchFamily="49" charset="0"/>
-                <a:cs typeface="Courier New" panose="02070309020205020404" pitchFamily="49" charset="0"/>
-              </a:rPr>
-              <a:t>   You </a:t>
-            </a:r>
-            <a:r>
-              <a:rPr lang="en-GB" sz="1200" b="1" dirty="0">
-                <a:latin typeface="Courier New" panose="02070309020205020404" pitchFamily="49" charset="0"/>
-                <a:cs typeface="Courier New" panose="02070309020205020404" pitchFamily="49" charset="0"/>
-              </a:rPr>
-              <a:t>must apply correct </a:t>
-            </a:r>
-            <a:r>
-              <a:rPr lang="en-GB" sz="1200" b="1" dirty="0" smtClean="0">
-                <a:latin typeface="Courier New" panose="02070309020205020404" pitchFamily="49" charset="0"/>
-                <a:cs typeface="Courier New" panose="02070309020205020404" pitchFamily="49" charset="0"/>
-              </a:rPr>
-              <a:t>Voltage</a:t>
-            </a:r>
-          </a:p>
-          <a:p>
-            <a:r>
-              <a:rPr lang="en-GB" sz="1200" b="1" dirty="0" smtClean="0">
-                <a:latin typeface="Courier New" panose="02070309020205020404" pitchFamily="49" charset="0"/>
-                <a:cs typeface="Courier New" panose="02070309020205020404" pitchFamily="49" charset="0"/>
-              </a:rPr>
-              <a:t> </a:t>
-            </a:r>
-            <a:r>
-              <a:rPr lang="en-GB" sz="1200" b="1" dirty="0">
-                <a:latin typeface="Courier New" panose="02070309020205020404" pitchFamily="49" charset="0"/>
-                <a:cs typeface="Courier New" panose="02070309020205020404" pitchFamily="49" charset="0"/>
-              </a:rPr>
-              <a:t>  </a:t>
-            </a:r>
-          </a:p>
-          <a:p>
-            <a:r>
-              <a:rPr lang="en-GB" sz="1200" b="1" dirty="0">
-                <a:latin typeface="Courier New" panose="02070309020205020404" pitchFamily="49" charset="0"/>
-                <a:cs typeface="Courier New" panose="02070309020205020404" pitchFamily="49" charset="0"/>
-              </a:rPr>
-              <a:t>    ------------------</a:t>
-            </a:r>
-            <a:r>
-              <a:rPr lang="en-GB" sz="1200" b="1" dirty="0" smtClean="0">
-                <a:latin typeface="Courier New" panose="02070309020205020404" pitchFamily="49" charset="0"/>
-                <a:cs typeface="Courier New" panose="02070309020205020404" pitchFamily="49" charset="0"/>
-              </a:rPr>
-              <a:t>PORTE-</a:t>
-            </a:r>
-            <a:r>
-              <a:rPr lang="en-GB" sz="1200" b="1" dirty="0">
-                <a:latin typeface="Courier New" panose="02070309020205020404" pitchFamily="49" charset="0"/>
-                <a:cs typeface="Courier New" panose="02070309020205020404" pitchFamily="49" charset="0"/>
-              </a:rPr>
-              <a:t>----------------</a:t>
-            </a:r>
-          </a:p>
-          <a:p>
-            <a:r>
-              <a:rPr lang="en-GB" sz="1200" b="1" dirty="0">
-                <a:latin typeface="Courier New" panose="02070309020205020404" pitchFamily="49" charset="0"/>
-                <a:cs typeface="Courier New" panose="02070309020205020404" pitchFamily="49" charset="0"/>
-              </a:rPr>
-              <a:t>    Bit#:  </a:t>
-            </a:r>
-            <a:r>
-              <a:rPr lang="en-GB" sz="1200" b="1" dirty="0" smtClean="0">
-                <a:latin typeface="Courier New" panose="02070309020205020404" pitchFamily="49" charset="0"/>
-                <a:cs typeface="Courier New" panose="02070309020205020404" pitchFamily="49" charset="0"/>
-              </a:rPr>
-              <a:t>-----------------</a:t>
-            </a:r>
-            <a:r>
-              <a:rPr lang="en-GB" sz="1200" b="1" dirty="0">
-                <a:latin typeface="Courier New" panose="02070309020205020404" pitchFamily="49" charset="0"/>
-                <a:cs typeface="Courier New" panose="02070309020205020404" pitchFamily="49" charset="0"/>
-              </a:rPr>
-              <a:t>3-</a:t>
-            </a:r>
-            <a:r>
-              <a:rPr lang="en-GB" sz="1200" b="1" dirty="0" smtClean="0">
-                <a:latin typeface="Courier New" panose="02070309020205020404" pitchFamily="49" charset="0"/>
-                <a:cs typeface="Courier New" panose="02070309020205020404" pitchFamily="49" charset="0"/>
-              </a:rPr>
-              <a:t>--------------</a:t>
-            </a:r>
             <a:endParaRPr lang="en-GB" sz="1200" b="1" dirty="0">
               <a:latin typeface="Courier New" panose="02070309020205020404" pitchFamily="49" charset="0"/>
               <a:cs typeface="Courier New" panose="02070309020205020404" pitchFamily="49" charset="0"/>
             </a:endParaRPr>
           </a:p>
-          <a:p>
-            <a:r>
-              <a:rPr lang="en-GB" sz="1200" b="1" dirty="0">
-                <a:latin typeface="Courier New" panose="02070309020205020404" pitchFamily="49" charset="0"/>
-                <a:cs typeface="Courier New" panose="02070309020205020404" pitchFamily="49" charset="0"/>
-              </a:rPr>
-              <a:t>    IO:    </a:t>
-            </a:r>
-            <a:r>
-              <a:rPr lang="en-GB" sz="1200" b="1" dirty="0" smtClean="0">
-                <a:latin typeface="Courier New" panose="02070309020205020404" pitchFamily="49" charset="0"/>
-                <a:cs typeface="Courier New" panose="02070309020205020404" pitchFamily="49" charset="0"/>
-              </a:rPr>
-              <a:t>-^--------------SW---------------</a:t>
-            </a:r>
-            <a:endParaRPr lang="en-GB" sz="1200" b="1" dirty="0">
-              <a:latin typeface="Courier New" panose="02070309020205020404" pitchFamily="49" charset="0"/>
-              <a:cs typeface="Courier New" panose="02070309020205020404" pitchFamily="49" charset="0"/>
-            </a:endParaRPr>
+        </p:txBody>
+      </p:sp>
+      <p:sp>
+        <p:nvSpPr>
+          <p:cNvPr id="5" name="Oval 4"/>
+          <p:cNvSpPr/>
+          <p:nvPr/>
+        </p:nvSpPr>
+        <p:spPr>
+          <a:xfrm>
+            <a:off x="3779912" y="4011910"/>
+            <a:ext cx="1296144" cy="864096"/>
+          </a:xfrm>
+          <a:prstGeom prst="ellipse">
+            <a:avLst/>
+          </a:prstGeom>
+          <a:noFill/>
+          <a:ln>
+            <a:solidFill>
+              <a:srgbClr val="FF0000"/>
+            </a:solidFill>
+          </a:ln>
+        </p:spPr>
+        <p:style>
+          <a:lnRef idx="2">
+            <a:schemeClr val="accent1">
+              <a:shade val="50000"/>
+            </a:schemeClr>
+          </a:lnRef>
+          <a:fillRef idx="1">
+            <a:schemeClr val="accent1"/>
+          </a:fillRef>
+          <a:effectRef idx="0">
+            <a:schemeClr val="accent1"/>
+          </a:effectRef>
+          <a:fontRef idx="minor">
+            <a:schemeClr val="lt1"/>
+          </a:fontRef>
+        </p:style>
+        <p:txBody>
+          <a:bodyPr rtlCol="0" anchor="ctr"/>
+          <a:lstStyle/>
+          <a:p>
+            <a:pPr algn="ctr"/>
+            <a:endParaRPr lang="en-GB"/>
+          </a:p>
+        </p:txBody>
+      </p:sp>
+      <p:sp>
+        <p:nvSpPr>
+          <p:cNvPr id="6" name="Oval 5"/>
+          <p:cNvSpPr/>
+          <p:nvPr/>
+        </p:nvSpPr>
+        <p:spPr>
+          <a:xfrm>
+            <a:off x="3882400" y="4152118"/>
+            <a:ext cx="567680" cy="207640"/>
+          </a:xfrm>
+          <a:prstGeom prst="ellipse">
+            <a:avLst/>
+          </a:prstGeom>
+          <a:noFill/>
+          <a:ln>
+            <a:solidFill>
+              <a:srgbClr val="FF0000"/>
+            </a:solidFill>
+          </a:ln>
+        </p:spPr>
+        <p:style>
+          <a:lnRef idx="2">
+            <a:schemeClr val="accent1">
+              <a:shade val="50000"/>
+            </a:schemeClr>
+          </a:lnRef>
+          <a:fillRef idx="1">
+            <a:schemeClr val="accent1"/>
+          </a:fillRef>
+          <a:effectRef idx="0">
+            <a:schemeClr val="accent1"/>
+          </a:effectRef>
+          <a:fontRef idx="minor">
+            <a:schemeClr val="lt1"/>
+          </a:fontRef>
+        </p:style>
+        <p:txBody>
+          <a:bodyPr rtlCol="0" anchor="ctr"/>
+          <a:lstStyle/>
+          <a:p>
+            <a:pPr algn="ctr"/>
+            <a:endParaRPr lang="en-GB"/>
+          </a:p>
+        </p:txBody>
+      </p:sp>
+      <p:sp>
+        <p:nvSpPr>
+          <p:cNvPr id="7" name="Oval 6"/>
+          <p:cNvSpPr/>
+          <p:nvPr/>
+        </p:nvSpPr>
+        <p:spPr>
+          <a:xfrm>
+            <a:off x="4287384" y="4366972"/>
+            <a:ext cx="567680" cy="365018"/>
+          </a:xfrm>
+          <a:prstGeom prst="ellipse">
+            <a:avLst/>
+          </a:prstGeom>
+          <a:noFill/>
+          <a:ln>
+            <a:solidFill>
+              <a:srgbClr val="FF0000"/>
+            </a:solidFill>
+          </a:ln>
+        </p:spPr>
+        <p:style>
+          <a:lnRef idx="2">
+            <a:schemeClr val="accent1">
+              <a:shade val="50000"/>
+            </a:schemeClr>
+          </a:lnRef>
+          <a:fillRef idx="1">
+            <a:schemeClr val="accent1"/>
+          </a:fillRef>
+          <a:effectRef idx="0">
+            <a:schemeClr val="accent1"/>
+          </a:effectRef>
+          <a:fontRef idx="minor">
+            <a:schemeClr val="lt1"/>
+          </a:fontRef>
+        </p:style>
+        <p:txBody>
+          <a:bodyPr rtlCol="0" anchor="ctr"/>
+          <a:lstStyle/>
+          <a:p>
+            <a:pPr algn="ctr"/>
+            <a:endParaRPr lang="en-GB"/>
           </a:p>
         </p:txBody>
       </p:sp>
     </p:spTree>
+    <p:extLst>
+      <p:ext uri="{BB962C8B-B14F-4D97-AF65-F5344CB8AC3E}">
+        <p14:creationId xmlns:p14="http://schemas.microsoft.com/office/powerpoint/2010/main" val="3739172339"/>
+      </p:ext>
+    </p:extLst>
   </p:cSld>
   <p:clrMapOvr>
     <a:masterClrMapping/>
@@ -8732,15 +8995,7 @@
           <a:p>
             <a:r>
               <a:rPr lang="en-GB" dirty="0" smtClean="0"/>
-              <a:t>Part 1 – </a:t>
-            </a:r>
-            <a:r>
-              <a:rPr lang="en-GB" dirty="0" smtClean="0"/>
-              <a:t>RE3 </a:t>
-            </a:r>
-            <a:r>
-              <a:rPr lang="en-GB" dirty="0" smtClean="0"/>
-              <a:t>as input</a:t>
+              <a:t>Part 1 – RE3 as input</a:t>
             </a:r>
           </a:p>
           <a:p>
@@ -8767,15 +9022,7 @@
           <a:p>
             <a:r>
               <a:rPr lang="en-GB" dirty="0" smtClean="0"/>
-              <a:t>Part 2 – </a:t>
-            </a:r>
-            <a:r>
-              <a:rPr lang="en-GB" dirty="0" smtClean="0"/>
-              <a:t>RE3 </a:t>
-            </a:r>
-            <a:r>
-              <a:rPr lang="en-GB" dirty="0" smtClean="0"/>
-              <a:t>as reset</a:t>
+              <a:t>Part 2 – RE3 as reset</a:t>
             </a:r>
           </a:p>
           <a:p>
@@ -9461,11 +9708,11 @@
   <p:clrMapOvr>
     <a:masterClrMapping/>
   </p:clrMapOvr>
-  <mc:AlternateContent xmlns:mc="http://schemas.openxmlformats.org/markup-compatibility/2006">
-    <mc:Choice xmlns:p14="http://schemas.microsoft.com/office/powerpoint/2010/main" Requires="p14">
+  <mc:AlternateContent xmlns:mc="http://schemas.openxmlformats.org/markup-compatibility/2006" xmlns:p14="http://schemas.microsoft.com/office/powerpoint/2010/main">
+    <mc:Choice Requires="p14">
       <p:transition spd="slow" p14:dur="2000" advClick="0"/>
     </mc:Choice>
-    <mc:Fallback>
+    <mc:Fallback xmlns="">
       <p:transition spd="slow" advClick="0"/>
     </mc:Fallback>
   </mc:AlternateContent>
@@ -9556,11 +9803,7 @@
           <a:p>
             <a:r>
               <a:rPr lang="en-GB" dirty="0" smtClean="0"/>
-              <a:t>Review </a:t>
-            </a:r>
-            <a:r>
-              <a:rPr lang="en-GB" dirty="0" smtClean="0"/>
-              <a:t>the results</a:t>
+              <a:t>Review the results</a:t>
             </a:r>
             <a:endParaRPr lang="en-GB" dirty="0"/>
           </a:p>
@@ -9917,7 +10160,15 @@
             </a:pPr>
             <a:r>
               <a:rPr lang="en-GB" sz="1100" dirty="0"/>
-              <a:t>Using PWM, 7  ways,  to dim the LEDS</a:t>
+              <a:t>Using PWM, </a:t>
+            </a:r>
+            <a:r>
+              <a:rPr lang="en-GB" sz="1100" dirty="0" smtClean="0"/>
+              <a:t>many  </a:t>
+            </a:r>
+            <a:r>
+              <a:rPr lang="en-GB" sz="1100" dirty="0"/>
+              <a:t>ways,  to dim the LEDS</a:t>
             </a:r>
           </a:p>
           <a:p>
@@ -10442,7 +10693,7 @@
           <a:p>
             <a:r>
               <a:rPr lang="en-GB" dirty="0" smtClean="0"/>
-              <a:t>PIC18FxxQ24</a:t>
+              <a:t>PIC16F175xx</a:t>
             </a:r>
           </a:p>
           <a:p>
@@ -10450,13 +10701,12 @@
               <a:rPr lang="en-GB" dirty="0"/>
               <a:t>Part 6 – Using the reset switch</a:t>
             </a:r>
-            <a:endParaRPr lang="en-GB" dirty="0"/>
           </a:p>
         </p:txBody>
       </p:sp>
       <p:pic>
         <p:nvPicPr>
-          <p:cNvPr id="10" name="Picture 2" descr="PIC18F26Q24"/>
+          <p:cNvPr id="7" name="Picture 4" descr="PIC16F17556 | Microchip Technology"/>
           <p:cNvPicPr>
             <a:picLocks noChangeAspect="1" noChangeArrowheads="1"/>
           </p:cNvPicPr>
@@ -10477,8 +10727,49 @@
         </p:blipFill>
         <p:spPr bwMode="auto">
           <a:xfrm>
-            <a:off x="1907705" y="4116163"/>
-            <a:ext cx="1280738" cy="922132"/>
+            <a:off x="6750880" y="3974993"/>
+            <a:ext cx="2415427" cy="1178257"/>
+          </a:xfrm>
+          <a:prstGeom prst="rect">
+            <a:avLst/>
+          </a:prstGeom>
+          <a:noFill/>
+          <a:extLst>
+            <a:ext uri="{909E8E84-426E-40DD-AFC4-6F175D3DCCD1}">
+              <a14:hiddenFill xmlns:a14="http://schemas.microsoft.com/office/drawing/2010/main">
+                <a:solidFill>
+                  <a:srgbClr val="FFFFFF"/>
+                </a:solidFill>
+              </a14:hiddenFill>
+            </a:ext>
+          </a:extLst>
+        </p:spPr>
+      </p:pic>
+      <p:pic>
+        <p:nvPicPr>
+          <p:cNvPr id="9" name="Picture 6" descr="PIC16F19175 | Microchip Technology"/>
+          <p:cNvPicPr>
+            <a:picLocks noChangeAspect="1" noChangeArrowheads="1"/>
+          </p:cNvPicPr>
+          <p:nvPr/>
+        </p:nvPicPr>
+        <p:blipFill>
+          <a:blip r:embed="rId4" cstate="print">
+            <a:extLst>
+              <a:ext uri="{28A0092B-C50C-407E-A947-70E740481C1C}">
+                <a14:useLocalDpi xmlns:a14="http://schemas.microsoft.com/office/drawing/2010/main" val="0"/>
+              </a:ext>
+            </a:extLst>
+          </a:blip>
+          <a:srcRect/>
+          <a:stretch>
+            <a:fillRect/>
+          </a:stretch>
+        </p:blipFill>
+        <p:spPr bwMode="auto">
+          <a:xfrm>
+            <a:off x="2644136" y="3943142"/>
+            <a:ext cx="1384038" cy="1192111"/>
           </a:xfrm>
           <a:prstGeom prst="rect">
             <a:avLst/>
@@ -10862,7 +11153,7 @@
           <a:p>
             <a:r>
               <a:rPr lang="en-GB" dirty="0" smtClean="0"/>
-              <a:t>PIC18FxxQ24</a:t>
+              <a:t>PIC16F175xx</a:t>
             </a:r>
           </a:p>
           <a:p>
@@ -10870,13 +11161,12 @@
               <a:rPr lang="en-GB" dirty="0"/>
               <a:t>Part 6 – Using the reset switch</a:t>
             </a:r>
-            <a:endParaRPr lang="en-GB" dirty="0"/>
           </a:p>
         </p:txBody>
       </p:sp>
       <p:pic>
         <p:nvPicPr>
-          <p:cNvPr id="10" name="Picture 2" descr="PIC18F26Q24"/>
+          <p:cNvPr id="7" name="Picture 4" descr="PIC16F17556 | Microchip Technology"/>
           <p:cNvPicPr>
             <a:picLocks noChangeAspect="1" noChangeArrowheads="1"/>
           </p:cNvPicPr>
@@ -10897,8 +11187,49 @@
         </p:blipFill>
         <p:spPr bwMode="auto">
           <a:xfrm>
-            <a:off x="1907705" y="4116163"/>
-            <a:ext cx="1280738" cy="922132"/>
+            <a:off x="6750880" y="3974993"/>
+            <a:ext cx="2415427" cy="1178257"/>
+          </a:xfrm>
+          <a:prstGeom prst="rect">
+            <a:avLst/>
+          </a:prstGeom>
+          <a:noFill/>
+          <a:extLst>
+            <a:ext uri="{909E8E84-426E-40DD-AFC4-6F175D3DCCD1}">
+              <a14:hiddenFill xmlns:a14="http://schemas.microsoft.com/office/drawing/2010/main">
+                <a:solidFill>
+                  <a:srgbClr val="FFFFFF"/>
+                </a:solidFill>
+              </a14:hiddenFill>
+            </a:ext>
+          </a:extLst>
+        </p:spPr>
+      </p:pic>
+      <p:pic>
+        <p:nvPicPr>
+          <p:cNvPr id="9" name="Picture 6" descr="PIC16F19175 | Microchip Technology"/>
+          <p:cNvPicPr>
+            <a:picLocks noChangeAspect="1" noChangeArrowheads="1"/>
+          </p:cNvPicPr>
+          <p:nvPr/>
+        </p:nvPicPr>
+        <p:blipFill>
+          <a:blip r:embed="rId4" cstate="print">
+            <a:extLst>
+              <a:ext uri="{28A0092B-C50C-407E-A947-70E740481C1C}">
+                <a14:useLocalDpi xmlns:a14="http://schemas.microsoft.com/office/drawing/2010/main" val="0"/>
+              </a:ext>
+            </a:extLst>
+          </a:blip>
+          <a:srcRect/>
+          <a:stretch>
+            <a:fillRect/>
+          </a:stretch>
+        </p:blipFill>
+        <p:spPr bwMode="auto">
+          <a:xfrm>
+            <a:off x="2644136" y="3943142"/>
+            <a:ext cx="1384038" cy="1192111"/>
           </a:xfrm>
           <a:prstGeom prst="rect">
             <a:avLst/>
@@ -11111,9 +11442,38 @@
           </a:p>
         </p:txBody>
       </p:sp>
+      <p:sp>
+        <p:nvSpPr>
+          <p:cNvPr id="11" name="Date Placeholder 3"/>
+          <p:cNvSpPr>
+            <a:spLocks noGrp="1"/>
+          </p:cNvSpPr>
+          <p:nvPr>
+            <p:ph type="dt" sz="half" idx="10"/>
+          </p:nvPr>
+        </p:nvSpPr>
+        <p:spPr>
+          <a:xfrm>
+            <a:off x="6113182" y="4384422"/>
+            <a:ext cx="354882" cy="305233"/>
+          </a:xfrm>
+        </p:spPr>
+        <p:txBody>
+          <a:bodyPr/>
+          <a:lstStyle/>
+          <a:p>
+            <a:fld id="{1E700B27-DE4C-4B9E-BB11-B9027034A00F}" type="datetimeFigureOut">
+              <a:rPr lang="en-US" smtClean="0"/>
+              <a:pPr/>
+              <a:t>11/24/2025</a:t>
+            </a:fld>
+            <a:endParaRPr lang="en-US" dirty="0"/>
+          </a:p>
+        </p:txBody>
+      </p:sp>
       <p:pic>
         <p:nvPicPr>
-          <p:cNvPr id="8" name="Picture 2" descr="PIC18F26Q24"/>
+          <p:cNvPr id="9" name="Picture 4" descr="PIC16F17556 | Microchip Technology"/>
           <p:cNvPicPr>
             <a:picLocks noChangeAspect="1" noChangeArrowheads="1"/>
           </p:cNvPicPr>
@@ -11134,8 +11494,8 @@
         </p:blipFill>
         <p:spPr bwMode="auto">
           <a:xfrm>
-            <a:off x="1907705" y="4116163"/>
-            <a:ext cx="1280738" cy="922132"/>
+            <a:off x="6750880" y="3974993"/>
+            <a:ext cx="2415427" cy="1178257"/>
           </a:xfrm>
           <a:prstGeom prst="rect">
             <a:avLst/>
@@ -11154,14 +11514,14 @@
       </p:pic>
       <p:pic>
         <p:nvPicPr>
-          <p:cNvPr id="10" name="Picture 8" descr="C:\Users\admin\OneDrive\Desktop\Picture1.jpg"/>
+          <p:cNvPr id="12" name="Picture 6" descr="PIC16F19175 | Microchip Technology"/>
           <p:cNvPicPr>
             <a:picLocks noChangeAspect="1" noChangeArrowheads="1"/>
           </p:cNvPicPr>
           <p:nvPr/>
         </p:nvPicPr>
         <p:blipFill>
-          <a:blip r:embed="rId4">
+          <a:blip r:embed="rId4" cstate="print">
             <a:extLst>
               <a:ext uri="{28A0092B-C50C-407E-A947-70E740481C1C}">
                 <a14:useLocalDpi xmlns:a14="http://schemas.microsoft.com/office/drawing/2010/main" val="0"/>
@@ -11175,8 +11535,8 @@
         </p:blipFill>
         <p:spPr bwMode="auto">
           <a:xfrm>
-            <a:off x="3995936" y="3937587"/>
-            <a:ext cx="2320300" cy="1129258"/>
+            <a:off x="2644136" y="3943142"/>
+            <a:ext cx="1384038" cy="1192111"/>
           </a:xfrm>
           <a:prstGeom prst="rect">
             <a:avLst/>
@@ -11193,35 +11553,6 @@
           </a:extLst>
         </p:spPr>
       </p:pic>
-      <p:sp>
-        <p:nvSpPr>
-          <p:cNvPr id="11" name="Date Placeholder 3"/>
-          <p:cNvSpPr>
-            <a:spLocks noGrp="1"/>
-          </p:cNvSpPr>
-          <p:nvPr>
-            <p:ph type="dt" sz="half" idx="10"/>
-          </p:nvPr>
-        </p:nvSpPr>
-        <p:spPr>
-          <a:xfrm>
-            <a:off x="6113182" y="4384422"/>
-            <a:ext cx="354882" cy="305233"/>
-          </a:xfrm>
-        </p:spPr>
-        <p:txBody>
-          <a:bodyPr/>
-          <a:lstStyle/>
-          <a:p>
-            <a:fld id="{1E700B27-DE4C-4B9E-BB11-B9027034A00F}" type="datetimeFigureOut">
-              <a:rPr lang="en-US" smtClean="0"/>
-              <a:pPr/>
-              <a:t>11/19/2024</a:t>
-            </a:fld>
-            <a:endParaRPr lang="en-US" dirty="0"/>
-          </a:p>
-        </p:txBody>
-      </p:sp>
     </p:spTree>
     <p:extLst>
       <p:ext uri="{BB962C8B-B14F-4D97-AF65-F5344CB8AC3E}">
@@ -11285,7 +11616,7 @@
             <a:pPr algn="l"/>
             <a:r>
               <a:rPr lang="en-GB" dirty="0" smtClean="0"/>
-              <a:t>PIC18FxxQ24</a:t>
+              <a:t>PIC16F175xx</a:t>
             </a:r>
             <a:endParaRPr lang="en-GB" dirty="0"/>
           </a:p>
@@ -11304,71 +11635,120 @@
         <p:spPr/>
         <p:txBody>
           <a:bodyPr>
-            <a:normAutofit fontScale="92500" lnSpcReduction="10000"/>
+            <a:normAutofit fontScale="92500"/>
           </a:bodyPr>
           <a:lstStyle/>
           <a:p>
             <a:r>
               <a:rPr lang="en-GB" dirty="0" smtClean="0"/>
-              <a:t>PIC18-Q24 is a high performance PIC18 </a:t>
+              <a:t>PIC16165xx  is a high performance PIC16</a:t>
             </a:r>
           </a:p>
           <a:p>
             <a:pPr lvl="1"/>
             <a:r>
+              <a:rPr lang="en-GB" b="1" dirty="0"/>
+              <a:t>Digital and </a:t>
+            </a:r>
+            <a:r>
+              <a:rPr lang="en-GB" b="1" dirty="0" err="1"/>
+              <a:t>analog</a:t>
+            </a:r>
+            <a:r>
+              <a:rPr lang="en-GB" b="1" dirty="0"/>
+              <a:t> peripherals</a:t>
+            </a:r>
+            <a:r>
+              <a:rPr lang="en-GB" dirty="0"/>
+              <a:t> for flexible embedded control</a:t>
+            </a:r>
+          </a:p>
+          <a:p>
+            <a:pPr lvl="1"/>
+            <a:r>
+              <a:rPr lang="en-GB" b="1" dirty="0"/>
+              <a:t>10-bit ADC</a:t>
+            </a:r>
+            <a:r>
+              <a:rPr lang="en-GB" dirty="0"/>
+              <a:t> for accurate </a:t>
+            </a:r>
+            <a:r>
+              <a:rPr lang="en-GB" dirty="0" err="1"/>
+              <a:t>analog</a:t>
+            </a:r>
+            <a:r>
+              <a:rPr lang="en-GB" dirty="0"/>
+              <a:t> signal conversion</a:t>
+            </a:r>
+          </a:p>
+          <a:p>
+            <a:pPr lvl="1"/>
+            <a:r>
+              <a:rPr lang="en-GB" b="1" dirty="0"/>
+              <a:t>Multiple communication interfaces</a:t>
+            </a:r>
+            <a:r>
+              <a:rPr lang="en-GB" dirty="0"/>
+              <a:t> including UART (serial), I²C, and SPI</a:t>
+            </a:r>
+          </a:p>
+          <a:p>
+            <a:pPr lvl="1"/>
+            <a:r>
+              <a:rPr lang="en-GB" b="1" dirty="0"/>
+              <a:t>PWM modules</a:t>
+            </a:r>
+            <a:r>
+              <a:rPr lang="en-GB" dirty="0"/>
+              <a:t> with CCP and 16-bit resolution for precise timing and motor control</a:t>
+            </a:r>
+          </a:p>
+          <a:p>
+            <a:pPr lvl="1"/>
+            <a:r>
+              <a:rPr lang="en-GB" b="1" dirty="0"/>
+              <a:t>Configurable Logic Cells (CLCs)</a:t>
+            </a:r>
+            <a:r>
+              <a:rPr lang="en-GB" dirty="0"/>
+              <a:t> for custom hardware-level logic without external components</a:t>
+            </a:r>
+          </a:p>
+          <a:p>
+            <a:pPr lvl="1"/>
+            <a:r>
+              <a:rPr lang="en-GB" b="1" dirty="0"/>
+              <a:t>Integrated op amps</a:t>
+            </a:r>
+            <a:r>
+              <a:rPr lang="en-GB" dirty="0"/>
+              <a:t> for </a:t>
+            </a:r>
+            <a:r>
+              <a:rPr lang="en-GB" dirty="0" err="1"/>
+              <a:t>onboard</a:t>
+            </a:r>
+            <a:r>
+              <a:rPr lang="en-GB" dirty="0"/>
+              <a:t> </a:t>
+            </a:r>
+            <a:r>
+              <a:rPr lang="en-GB" dirty="0" err="1"/>
+              <a:t>analog</a:t>
+            </a:r>
+            <a:r>
+              <a:rPr lang="en-GB" dirty="0"/>
+              <a:t> signal conditioning and amplification</a:t>
+            </a:r>
+          </a:p>
+          <a:p>
+            <a:endParaRPr lang="en-GB" dirty="0" smtClean="0"/>
+          </a:p>
+          <a:p>
+            <a:r>
               <a:rPr lang="en-GB" dirty="0" smtClean="0"/>
-              <a:t>Digital and Analog peripherals </a:t>
-            </a:r>
-          </a:p>
-          <a:p>
-            <a:pPr lvl="1"/>
-            <a:r>
-              <a:rPr lang="en-GB" dirty="0" smtClean="0"/>
-              <a:t>10-bit ADC</a:t>
-            </a:r>
-          </a:p>
-          <a:p>
-            <a:pPr lvl="1"/>
-            <a:r>
-              <a:rPr lang="en-GB" dirty="0" smtClean="0"/>
-              <a:t>Multiple communication interfaces</a:t>
-            </a:r>
-          </a:p>
-          <a:p>
-            <a:pPr lvl="2"/>
-            <a:r>
-              <a:rPr lang="en-GB" dirty="0" smtClean="0"/>
-              <a:t>Serial, I2C and  SPI </a:t>
-            </a:r>
-          </a:p>
-          <a:p>
-            <a:pPr lvl="2"/>
-            <a:r>
-              <a:rPr lang="en-GB" dirty="0" smtClean="0"/>
-              <a:t>PWM – CCP/PWM and 16Bit</a:t>
-            </a:r>
-          </a:p>
-          <a:p>
-            <a:pPr lvl="1"/>
-            <a:r>
-              <a:rPr lang="en-GB" dirty="0" smtClean="0"/>
-              <a:t>Configurable Logic Cells</a:t>
-            </a:r>
-          </a:p>
-          <a:p>
-            <a:pPr lvl="1"/>
-            <a:r>
-              <a:rPr lang="en-GB" dirty="0" smtClean="0"/>
-              <a:t>Multi voltage domains</a:t>
-            </a:r>
-          </a:p>
-          <a:p>
-            <a:endParaRPr lang="en-GB" dirty="0" smtClean="0"/>
-          </a:p>
-          <a:p>
-            <a:r>
-              <a:rPr lang="en-GB" dirty="0" smtClean="0"/>
-              <a:t>The PIC18xxQ24 offers 28, 40 and 48-pin products in small footprint packages to support customers in a wide variety of applications. </a:t>
+              <a:t>The PIC16175xx offers 14, 20, 28, 40 and 44-pin products in small footprint packages to support customers in a wide variety of applications. </a:t>
             </a:r>
           </a:p>
           <a:p>
@@ -11377,6 +11757,11 @@
         </p:txBody>
       </p:sp>
     </p:spTree>
+    <p:extLst>
+      <p:ext uri="{BB962C8B-B14F-4D97-AF65-F5344CB8AC3E}">
+        <p14:creationId xmlns:p14="http://schemas.microsoft.com/office/powerpoint/2010/main" val="3974446347"/>
+      </p:ext>
+    </p:extLst>
   </p:cSld>
   <p:clrMapOvr>
     <a:masterClrMapping/>
@@ -11644,7 +12029,15 @@
             </a:pPr>
             <a:r>
               <a:rPr lang="en-GB" sz="1100" dirty="0"/>
-              <a:t>Using PWM, 7  ways,  to dim the LEDS</a:t>
+              <a:t>Using PWM, </a:t>
+            </a:r>
+            <a:r>
+              <a:rPr lang="en-GB" sz="1100" dirty="0" smtClean="0"/>
+              <a:t>many  </a:t>
+            </a:r>
+            <a:r>
+              <a:rPr lang="en-GB" sz="1100" dirty="0"/>
+              <a:t>ways,  to dim the LEDS</a:t>
             </a:r>
           </a:p>
           <a:p>
@@ -11928,7 +12321,7 @@
         <p:spPr>
           <a:xfrm>
             <a:off x="3563888" y="2643758"/>
-            <a:ext cx="3528392" cy="1393943"/>
+            <a:ext cx="3528392" cy="1655553"/>
           </a:xfrm>
           <a:prstGeom prst="rect">
             <a:avLst/>
@@ -11943,7 +12336,7 @@
           <a:p>
             <a:r>
               <a:rPr lang="en-GB" dirty="0" smtClean="0"/>
-              <a:t>GCBASIC is an Open Source compiler for PIC and AVR microcontrollers</a:t>
+              <a:t>GCBASIC is an Open Source compiler for PIC, AVR and LGT microcontrollers</a:t>
             </a:r>
           </a:p>
           <a:p>
@@ -11952,7 +12345,7 @@
           <a:p>
             <a:r>
               <a:rPr lang="en-GB" dirty="0" smtClean="0"/>
-              <a:t>GCBASIC now supports the 18FxxQ24 chip family</a:t>
+              <a:t>GCBASIC now supports the 16F175xx chip family</a:t>
             </a:r>
             <a:endParaRPr lang="en-GB" dirty="0"/>
           </a:p>
@@ -12068,7 +12461,7 @@
             <a:pPr marL="778521" lvl="1" indent="-478483"/>
             <a:r>
               <a:rPr lang="en-GB" dirty="0" smtClean="0"/>
-              <a:t>Test that you have the 18FxxQ24 attached</a:t>
+              <a:t>Test that you have the 16F175xx attached</a:t>
             </a:r>
           </a:p>
           <a:p>
@@ -12093,15 +12486,15 @@
             </a:r>
             <a:r>
               <a:rPr lang="en-GB" dirty="0" err="1" smtClean="0"/>
-              <a:t>SWITCHes</a:t>
+              <a:t>SWITCH</a:t>
+            </a:r>
+            <a:r>
+              <a:rPr lang="en-GB" b="1" dirty="0" err="1" smtClean="0"/>
+              <a:t>es</a:t>
             </a:r>
             <a:r>
               <a:rPr lang="en-GB" dirty="0" smtClean="0"/>
-              <a:t> </a:t>
-            </a:r>
-            <a:r>
-              <a:rPr lang="en-GB" dirty="0" smtClean="0"/>
-              <a:t>connected</a:t>
+              <a:t> connected</a:t>
             </a:r>
           </a:p>
           <a:p>
@@ -12205,64 +12598,145 @@
         <p:spPr/>
         <p:txBody>
           <a:bodyPr>
-            <a:normAutofit/>
+            <a:normAutofit fontScale="92500" lnSpcReduction="20000"/>
           </a:bodyPr>
           <a:lstStyle/>
           <a:p>
             <a:r>
+              <a:rPr lang="en-GB" b="1" dirty="0"/>
+              <a:t>RE3 Pin Functionality Overview</a:t>
+            </a:r>
+            <a:endParaRPr lang="en-GB" dirty="0"/>
+          </a:p>
+          <a:p>
+            <a:pPr lvl="1"/>
+            <a:r>
+              <a:rPr lang="en-GB" dirty="0"/>
+              <a:t>RE3 is a multifunctional pin on certain PIC microcontrollers.</a:t>
+            </a:r>
+          </a:p>
+          <a:p>
+            <a:pPr lvl="1"/>
+            <a:r>
+              <a:rPr lang="en-GB" dirty="0"/>
+              <a:t>It can operate either as a digital input or as a Master Clear (reset) signal</a:t>
+            </a:r>
+            <a:r>
               <a:rPr lang="en-GB" dirty="0" smtClean="0"/>
-              <a:t>The switch is connected </a:t>
+              <a:t>.</a:t>
+            </a:r>
+          </a:p>
+          <a:p>
+            <a:pPr lvl="1"/>
+            <a:endParaRPr lang="en-GB" dirty="0"/>
+          </a:p>
+          <a:p>
+            <a:r>
+              <a:rPr lang="en-GB" b="1" dirty="0"/>
+              <a:t>🔧 Configuration Control via MCRLE Register</a:t>
+            </a:r>
+            <a:endParaRPr lang="en-GB" dirty="0"/>
+          </a:p>
+          <a:p>
+            <a:pPr lvl="1"/>
+            <a:r>
+              <a:rPr lang="en-GB" b="1" dirty="0" smtClean="0"/>
+              <a:t>EXTMCLR</a:t>
             </a:r>
             <a:r>
               <a:rPr lang="en-GB" dirty="0" smtClean="0"/>
-              <a:t>RE3</a:t>
-            </a:r>
-            <a:endParaRPr lang="en-GB" dirty="0" smtClean="0"/>
-          </a:p>
-          <a:p>
-            <a:endParaRPr lang="en-GB" i="1" dirty="0" smtClean="0"/>
-          </a:p>
-          <a:p>
+              <a:t>: </a:t>
+            </a:r>
+            <a:r>
+              <a:rPr lang="en-GB" dirty="0"/>
+              <a:t>External Master Clear enabled → RE3 functions as </a:t>
+            </a:r>
+            <a:r>
+              <a:rPr lang="en-GB" b="1" dirty="0"/>
+              <a:t>MCLR</a:t>
+            </a:r>
+            <a:r>
+              <a:rPr lang="en-GB" dirty="0"/>
+              <a:t> (reset input)</a:t>
+            </a:r>
+          </a:p>
+          <a:p>
+            <a:pPr lvl="1"/>
+            <a:r>
+              <a:rPr lang="en-GB" b="1" dirty="0" smtClean="0"/>
+              <a:t>INTMCLR</a:t>
+            </a:r>
             <a:r>
               <a:rPr lang="en-GB" dirty="0" smtClean="0"/>
-              <a:t>The configuration switches control the operation of </a:t>
+              <a:t>: </a:t>
+            </a:r>
+            <a:r>
+              <a:rPr lang="en-GB" dirty="0"/>
+              <a:t>Internal Master Clear enabled → RE3 functions as </a:t>
+            </a:r>
+            <a:r>
+              <a:rPr lang="en-GB" b="1" dirty="0"/>
+              <a:t>digital input</a:t>
+            </a:r>
+            <a:r>
+              <a:rPr lang="en-GB" dirty="0"/>
+              <a:t> (e.g., switch</a:t>
             </a:r>
             <a:r>
               <a:rPr lang="en-GB" dirty="0" smtClean="0"/>
-              <a:t>RE3</a:t>
-            </a:r>
-            <a:endParaRPr lang="en-GB" dirty="0" smtClean="0"/>
+              <a:t>)</a:t>
+            </a:r>
+          </a:p>
+          <a:p>
+            <a:pPr marL="342900" lvl="1" indent="0">
+              <a:buNone/>
+            </a:pPr>
+            <a:endParaRPr lang="en-GB" dirty="0"/>
+          </a:p>
+          <a:p>
+            <a:r>
+              <a:rPr lang="en-GB" b="1" dirty="0"/>
+              <a:t>🧠 Design Implications</a:t>
+            </a:r>
+            <a:endParaRPr lang="en-GB" dirty="0"/>
           </a:p>
           <a:p>
             <a:pPr lvl="1"/>
             <a:r>
+              <a:rPr lang="en-GB" dirty="0"/>
+              <a:t>Choose </a:t>
+            </a:r>
+            <a:r>
+              <a:rPr lang="en-GB" b="1" dirty="0" smtClean="0"/>
+              <a:t>EXTMCLR</a:t>
+            </a:r>
+            <a:r>
               <a:rPr lang="en-GB" dirty="0" smtClean="0"/>
-              <a:t>MCRLE</a:t>
-            </a:r>
-          </a:p>
-          <a:p>
-            <a:pPr lvl="2"/>
-            <a:r>
-              <a:rPr lang="en-GB" i="1" dirty="0" smtClean="0"/>
-              <a:t>EXTMCRL - </a:t>
+              <a:t> </a:t>
+            </a:r>
+            <a:r>
+              <a:rPr lang="en-GB" dirty="0"/>
+              <a:t>for hardware reset capability.</a:t>
+            </a:r>
+          </a:p>
+          <a:p>
+            <a:pPr lvl="1"/>
+            <a:r>
+              <a:rPr lang="en-GB" dirty="0"/>
+              <a:t>Choose </a:t>
+            </a:r>
+            <a:r>
+              <a:rPr lang="en-GB" b="1" dirty="0" smtClean="0"/>
+              <a:t>INTMCLR</a:t>
             </a:r>
             <a:r>
               <a:rPr lang="en-GB" dirty="0" smtClean="0"/>
-              <a:t>pin is MCLR</a:t>
-            </a:r>
-            <a:endParaRPr lang="en-GB" i="1" dirty="0" smtClean="0"/>
-          </a:p>
-          <a:p>
-            <a:pPr lvl="2"/>
-            <a:r>
-              <a:rPr lang="en-GB" i="1" dirty="0" smtClean="0"/>
-              <a:t>INTMCRL - </a:t>
-            </a:r>
-            <a:r>
-              <a:rPr lang="en-GB" dirty="0" smtClean="0"/>
-              <a:t>pin function is port defined function</a:t>
-            </a:r>
-            <a:endParaRPr lang="en-GB" i="1" dirty="0" smtClean="0"/>
+              <a:t> </a:t>
+            </a:r>
+            <a:r>
+              <a:rPr lang="en-GB" dirty="0"/>
+              <a:t>to repurpose RE3 for input tasks like button detection.</a:t>
+            </a:r>
           </a:p>
           <a:p>
             <a:pPr lvl="2">
@@ -12369,11 +12843,11 @@
   <p:clrMapOvr>
     <a:masterClrMapping/>
   </p:clrMapOvr>
-  <mc:AlternateContent xmlns:mc="http://schemas.openxmlformats.org/markup-compatibility/2006">
-    <mc:Choice xmlns:p14="http://schemas.microsoft.com/office/powerpoint/2010/main" Requires="p14">
+  <mc:AlternateContent xmlns:mc="http://schemas.openxmlformats.org/markup-compatibility/2006" xmlns:p14="http://schemas.microsoft.com/office/powerpoint/2010/main">
+    <mc:Choice Requires="p14">
       <p:transition spd="slow" p14:dur="2000" advClick="0"/>
     </mc:Choice>
-    <mc:Fallback>
+    <mc:Fallback xmlns="">
       <p:transition spd="slow" advClick="0"/>
     </mc:Fallback>
   </mc:AlternateContent>
@@ -12404,70 +12878,6 @@
           <a:chExt cx="0" cy="0"/>
         </a:xfrm>
       </p:grpSpPr>
-      <p:pic>
-        <p:nvPicPr>
-          <p:cNvPr id="9" name="Picture 2"/>
-          <p:cNvPicPr>
-            <a:picLocks noGrp="1" noChangeAspect="1" noChangeArrowheads="1"/>
-          </p:cNvPicPr>
-          <p:nvPr>
-            <p:ph idx="1"/>
-          </p:nvPr>
-        </p:nvPicPr>
-        <p:blipFill rotWithShape="1">
-          <a:blip r:embed="rId2">
-            <a:extLst>
-              <a:ext uri="{28A0092B-C50C-407E-A947-70E740481C1C}">
-                <a14:useLocalDpi xmlns:a14="http://schemas.microsoft.com/office/drawing/2010/main" val="0"/>
-              </a:ext>
-            </a:extLst>
-          </a:blip>
-          <a:srcRect l="6459" r="22745" b="29280"/>
-          <a:stretch/>
-        </p:blipFill>
-        <p:spPr bwMode="auto">
-          <a:xfrm>
-            <a:off x="882650" y="1491631"/>
-            <a:ext cx="3619500" cy="3156570"/>
-          </a:xfrm>
-          <a:prstGeom prst="rect">
-            <a:avLst/>
-          </a:prstGeom>
-          <a:noFill/>
-          <a:ln>
-            <a:noFill/>
-          </a:ln>
-          <a:effectLst/>
-          <a:extLst>
-            <a:ext uri="{909E8E84-426E-40DD-AFC4-6F175D3DCCD1}">
-              <a14:hiddenFill xmlns:a14="http://schemas.microsoft.com/office/drawing/2010/main">
-                <a:solidFill>
-                  <a:schemeClr val="accent1"/>
-                </a:solidFill>
-              </a14:hiddenFill>
-            </a:ext>
-            <a:ext uri="{91240B29-F687-4F45-9708-019B960494DF}">
-              <a14:hiddenLine xmlns:a14="http://schemas.microsoft.com/office/drawing/2010/main" w="9525">
-                <a:solidFill>
-                  <a:schemeClr val="tx1"/>
-                </a:solidFill>
-                <a:miter lim="800000"/>
-                <a:headEnd/>
-                <a:tailEnd/>
-              </a14:hiddenLine>
-            </a:ext>
-            <a:ext uri="{AF507438-7753-43E0-B8FC-AC1667EBCBE1}">
-              <a14:hiddenEffects xmlns:a14="http://schemas.microsoft.com/office/drawing/2010/main">
-                <a:effectLst>
-                  <a:outerShdw dist="35921" dir="2700000" algn="ctr" rotWithShape="0">
-                    <a:schemeClr val="bg2"/>
-                  </a:outerShdw>
-                </a:effectLst>
-              </a14:hiddenEffects>
-            </a:ext>
-          </a:extLst>
-        </p:spPr>
-      </p:pic>
       <p:sp>
         <p:nvSpPr>
           <p:cNvPr id="2" name="Title 1"/>
@@ -12478,38 +12888,344 @@
             <p:ph type="title"/>
           </p:nvPr>
         </p:nvSpPr>
-        <p:spPr/>
+        <p:spPr>
+          <a:xfrm>
+            <a:off x="155575" y="501030"/>
+            <a:ext cx="5400600" cy="990600"/>
+          </a:xfrm>
+        </p:spPr>
         <p:txBody>
           <a:bodyPr vert="horz" lIns="85064" tIns="42531" rIns="85064" bIns="42531" rtlCol="0" anchor="t">
             <a:normAutofit/>
           </a:bodyPr>
           <a:lstStyle/>
           <a:p>
-            <a:pPr algn="l"/>
-            <a:r>
-              <a:rPr lang="en-GB" dirty="0" smtClean="0"/>
+            <a:r>
+              <a:rPr lang="en-GB" dirty="0"/>
               <a:t>Digital input</a:t>
             </a:r>
-            <a:endParaRPr lang="en-GB" dirty="0"/>
-          </a:p>
-        </p:txBody>
-      </p:sp>
-      <p:sp>
-        <p:nvSpPr>
-          <p:cNvPr id="10" name="Rectangle 9"/>
-          <p:cNvSpPr/>
+          </a:p>
+        </p:txBody>
+      </p:sp>
+      <p:sp>
+        <p:nvSpPr>
+          <p:cNvPr id="5" name="AutoShape 4" descr="Uploaded image"/>
+          <p:cNvSpPr>
+            <a:spLocks noChangeAspect="1" noChangeArrowheads="1"/>
+          </p:cNvSpPr>
           <p:nvPr/>
         </p:nvSpPr>
-        <p:spPr>
+        <p:spPr bwMode="auto">
           <a:xfrm>
-            <a:off x="3398352" y="2882981"/>
-            <a:ext cx="1330902" cy="632647"/>
+            <a:off x="155575" y="-144463"/>
+            <a:ext cx="304800" cy="304801"/>
           </a:xfrm>
           <a:prstGeom prst="rect">
             <a:avLst/>
           </a:prstGeom>
           <a:noFill/>
-          <a:ln>
+          <a:extLst>
+            <a:ext uri="{909E8E84-426E-40DD-AFC4-6F175D3DCCD1}">
+              <a14:hiddenFill xmlns:a14="http://schemas.microsoft.com/office/drawing/2010/main">
+                <a:solidFill>
+                  <a:srgbClr val="FFFFFF"/>
+                </a:solidFill>
+              </a14:hiddenFill>
+            </a:ext>
+          </a:extLst>
+        </p:spPr>
+        <p:txBody>
+          <a:bodyPr vert="horz" wrap="square" lIns="91440" tIns="45720" rIns="91440" bIns="45720" numCol="1" anchor="t" anchorCtr="0" compatLnSpc="1">
+            <a:prstTxWarp prst="textNoShape">
+              <a:avLst/>
+            </a:prstTxWarp>
+          </a:bodyPr>
+          <a:lstStyle/>
+          <a:p>
+            <a:endParaRPr lang="en-GB"/>
+          </a:p>
+        </p:txBody>
+      </p:sp>
+      <p:sp>
+        <p:nvSpPr>
+          <p:cNvPr id="8" name="AutoShape 6" descr="Uploaded image"/>
+          <p:cNvSpPr>
+            <a:spLocks noChangeAspect="1" noChangeArrowheads="1"/>
+          </p:cNvSpPr>
+          <p:nvPr/>
+        </p:nvSpPr>
+        <p:spPr bwMode="auto">
+          <a:xfrm>
+            <a:off x="307975" y="7937"/>
+            <a:ext cx="304800" cy="304801"/>
+          </a:xfrm>
+          <a:prstGeom prst="rect">
+            <a:avLst/>
+          </a:prstGeom>
+          <a:noFill/>
+          <a:extLst>
+            <a:ext uri="{909E8E84-426E-40DD-AFC4-6F175D3DCCD1}">
+              <a14:hiddenFill xmlns:a14="http://schemas.microsoft.com/office/drawing/2010/main">
+                <a:solidFill>
+                  <a:srgbClr val="FFFFFF"/>
+                </a:solidFill>
+              </a14:hiddenFill>
+            </a:ext>
+          </a:extLst>
+        </p:spPr>
+        <p:txBody>
+          <a:bodyPr vert="horz" wrap="square" lIns="91440" tIns="45720" rIns="91440" bIns="45720" numCol="1" anchor="t" anchorCtr="0" compatLnSpc="1">
+            <a:prstTxWarp prst="textNoShape">
+              <a:avLst/>
+            </a:prstTxWarp>
+          </a:bodyPr>
+          <a:lstStyle/>
+          <a:p>
+            <a:endParaRPr lang="en-GB"/>
+          </a:p>
+        </p:txBody>
+      </p:sp>
+      <p:sp>
+        <p:nvSpPr>
+          <p:cNvPr id="11" name="AutoShape 8" descr="image.png"/>
+          <p:cNvSpPr>
+            <a:spLocks noChangeAspect="1" noChangeArrowheads="1"/>
+          </p:cNvSpPr>
+          <p:nvPr/>
+        </p:nvSpPr>
+        <p:spPr bwMode="auto">
+          <a:xfrm>
+            <a:off x="460375" y="160337"/>
+            <a:ext cx="304800" cy="304801"/>
+          </a:xfrm>
+          <a:prstGeom prst="rect">
+            <a:avLst/>
+          </a:prstGeom>
+          <a:noFill/>
+          <a:extLst>
+            <a:ext uri="{909E8E84-426E-40DD-AFC4-6F175D3DCCD1}">
+              <a14:hiddenFill xmlns:a14="http://schemas.microsoft.com/office/drawing/2010/main">
+                <a:solidFill>
+                  <a:srgbClr val="FFFFFF"/>
+                </a:solidFill>
+              </a14:hiddenFill>
+            </a:ext>
+          </a:extLst>
+        </p:spPr>
+        <p:txBody>
+          <a:bodyPr vert="horz" wrap="square" lIns="91440" tIns="45720" rIns="91440" bIns="45720" numCol="1" anchor="t" anchorCtr="0" compatLnSpc="1">
+            <a:prstTxWarp prst="textNoShape">
+              <a:avLst/>
+            </a:prstTxWarp>
+          </a:bodyPr>
+          <a:lstStyle/>
+          <a:p>
+            <a:endParaRPr lang="en-GB"/>
+          </a:p>
+        </p:txBody>
+      </p:sp>
+      <p:grpSp>
+        <p:nvGrpSpPr>
+          <p:cNvPr id="25" name="Group 24"/>
+          <p:cNvGrpSpPr/>
+          <p:nvPr/>
+        </p:nvGrpSpPr>
+        <p:grpSpPr>
+          <a:xfrm>
+            <a:off x="547911" y="1563638"/>
+            <a:ext cx="4384129" cy="2952328"/>
+            <a:chOff x="1043608" y="1563638"/>
+            <a:chExt cx="4384129" cy="2952328"/>
+          </a:xfrm>
+        </p:grpSpPr>
+        <p:pic>
+          <p:nvPicPr>
+            <p:cNvPr id="1036" name="Picture 12"/>
+            <p:cNvPicPr>
+              <a:picLocks noChangeAspect="1" noChangeArrowheads="1"/>
+            </p:cNvPicPr>
+            <p:nvPr/>
+          </p:nvPicPr>
+          <p:blipFill>
+            <a:blip r:embed="rId2">
+              <a:extLst>
+                <a:ext uri="{28A0092B-C50C-407E-A947-70E740481C1C}">
+                  <a14:useLocalDpi xmlns:a14="http://schemas.microsoft.com/office/drawing/2010/main" val="0"/>
+                </a:ext>
+              </a:extLst>
+            </a:blip>
+            <a:srcRect/>
+            <a:stretch>
+              <a:fillRect/>
+            </a:stretch>
+          </p:blipFill>
+          <p:spPr bwMode="auto">
+            <a:xfrm>
+              <a:off x="1043608" y="1563638"/>
+              <a:ext cx="1476375" cy="2924175"/>
+            </a:xfrm>
+            <a:prstGeom prst="rect">
+              <a:avLst/>
+            </a:prstGeom>
+            <a:noFill/>
+            <a:ln>
+              <a:noFill/>
+            </a:ln>
+            <a:effectLst/>
+            <a:extLst>
+              <a:ext uri="{909E8E84-426E-40DD-AFC4-6F175D3DCCD1}">
+                <a14:hiddenFill xmlns:a14="http://schemas.microsoft.com/office/drawing/2010/main">
+                  <a:solidFill>
+                    <a:schemeClr val="accent1"/>
+                  </a:solidFill>
+                </a14:hiddenFill>
+              </a:ext>
+              <a:ext uri="{91240B29-F687-4F45-9708-019B960494DF}">
+                <a14:hiddenLine xmlns:a14="http://schemas.microsoft.com/office/drawing/2010/main" w="9525">
+                  <a:solidFill>
+                    <a:schemeClr val="tx1"/>
+                  </a:solidFill>
+                  <a:miter lim="800000"/>
+                  <a:headEnd/>
+                  <a:tailEnd/>
+                </a14:hiddenLine>
+              </a:ext>
+              <a:ext uri="{AF507438-7753-43E0-B8FC-AC1667EBCBE1}">
+                <a14:hiddenEffects xmlns:a14="http://schemas.microsoft.com/office/drawing/2010/main">
+                  <a:effectLst>
+                    <a:outerShdw dist="35921" dir="2700000" algn="ctr" rotWithShape="0">
+                      <a:schemeClr val="bg2"/>
+                    </a:outerShdw>
+                  </a:effectLst>
+                </a14:hiddenEffects>
+              </a:ext>
+            </a:extLst>
+          </p:spPr>
+        </p:pic>
+        <p:pic>
+          <p:nvPicPr>
+            <p:cNvPr id="1037" name="Picture 13"/>
+            <p:cNvPicPr>
+              <a:picLocks noChangeAspect="1" noChangeArrowheads="1"/>
+            </p:cNvPicPr>
+            <p:nvPr/>
+          </p:nvPicPr>
+          <p:blipFill>
+            <a:blip r:embed="rId3">
+              <a:extLst>
+                <a:ext uri="{28A0092B-C50C-407E-A947-70E740481C1C}">
+                  <a14:useLocalDpi xmlns:a14="http://schemas.microsoft.com/office/drawing/2010/main" val="0"/>
+                </a:ext>
+              </a:extLst>
+            </a:blip>
+            <a:srcRect/>
+            <a:stretch>
+              <a:fillRect/>
+            </a:stretch>
+          </p:blipFill>
+          <p:spPr bwMode="auto">
+            <a:xfrm>
+              <a:off x="3779912" y="1565118"/>
+              <a:ext cx="1647825" cy="2950848"/>
+            </a:xfrm>
+            <a:prstGeom prst="rect">
+              <a:avLst/>
+            </a:prstGeom>
+            <a:noFill/>
+            <a:ln>
+              <a:noFill/>
+            </a:ln>
+            <a:effectLst/>
+            <a:extLst>
+              <a:ext uri="{909E8E84-426E-40DD-AFC4-6F175D3DCCD1}">
+                <a14:hiddenFill xmlns:a14="http://schemas.microsoft.com/office/drawing/2010/main">
+                  <a:solidFill>
+                    <a:schemeClr val="accent1"/>
+                  </a:solidFill>
+                </a14:hiddenFill>
+              </a:ext>
+              <a:ext uri="{91240B29-F687-4F45-9708-019B960494DF}">
+                <a14:hiddenLine xmlns:a14="http://schemas.microsoft.com/office/drawing/2010/main" w="9525">
+                  <a:solidFill>
+                    <a:schemeClr val="tx1"/>
+                  </a:solidFill>
+                  <a:miter lim="800000"/>
+                  <a:headEnd/>
+                  <a:tailEnd/>
+                </a14:hiddenLine>
+              </a:ext>
+              <a:ext uri="{AF507438-7753-43E0-B8FC-AC1667EBCBE1}">
+                <a14:hiddenEffects xmlns:a14="http://schemas.microsoft.com/office/drawing/2010/main">
+                  <a:effectLst>
+                    <a:outerShdw dist="35921" dir="2700000" algn="ctr" rotWithShape="0">
+                      <a:schemeClr val="bg2"/>
+                    </a:outerShdw>
+                  </a:effectLst>
+                </a14:hiddenEffects>
+              </a:ext>
+            </a:extLst>
+          </p:spPr>
+        </p:pic>
+        <p:sp>
+          <p:nvSpPr>
+            <p:cNvPr id="24" name="Rectangle 23"/>
+            <p:cNvSpPr/>
+            <p:nvPr/>
+          </p:nvSpPr>
+          <p:spPr>
+            <a:xfrm>
+              <a:off x="2555776" y="1563638"/>
+              <a:ext cx="1152128" cy="2894062"/>
+            </a:xfrm>
+            <a:prstGeom prst="rect">
+              <a:avLst/>
+            </a:prstGeom>
+            <a:solidFill>
+              <a:schemeClr val="bg1"/>
+            </a:solidFill>
+          </p:spPr>
+          <p:style>
+            <a:lnRef idx="2">
+              <a:schemeClr val="accent1">
+                <a:shade val="50000"/>
+              </a:schemeClr>
+            </a:lnRef>
+            <a:fillRef idx="1">
+              <a:schemeClr val="accent1"/>
+            </a:fillRef>
+            <a:effectRef idx="0">
+              <a:schemeClr val="accent1"/>
+            </a:effectRef>
+            <a:fontRef idx="minor">
+              <a:schemeClr val="lt1"/>
+            </a:fontRef>
+          </p:style>
+          <p:txBody>
+            <a:bodyPr rtlCol="0" anchor="ctr"/>
+            <a:lstStyle/>
+            <a:p>
+              <a:pPr algn="ctr"/>
+              <a:endParaRPr lang="en-GB" dirty="0"/>
+            </a:p>
+          </p:txBody>
+        </p:sp>
+      </p:grpSp>
+      <p:sp>
+        <p:nvSpPr>
+          <p:cNvPr id="26" name="Rectangle 25"/>
+          <p:cNvSpPr/>
+          <p:nvPr/>
+        </p:nvSpPr>
+        <p:spPr>
+          <a:xfrm>
+            <a:off x="515615" y="1804416"/>
+            <a:ext cx="2120528" cy="180000"/>
+          </a:xfrm>
+          <a:prstGeom prst="rect">
+            <a:avLst/>
+          </a:prstGeom>
+          <a:noFill/>
+          <a:ln w="38100">
             <a:solidFill>
               <a:srgbClr val="FF0000"/>
             </a:solidFill>
@@ -12535,27 +13251,39 @@
           <a:bodyPr rtlCol="0" anchor="ctr"/>
           <a:lstStyle/>
           <a:p>
-            <a:pPr algn="ctr"/>
-            <a:endParaRPr lang="en-GB" dirty="0"/>
-          </a:p>
-        </p:txBody>
-      </p:sp>
-      <p:sp>
-        <p:nvSpPr>
-          <p:cNvPr id="11" name="Rectangle 10"/>
+            <a:pPr algn="r"/>
+            <a:r>
+              <a:rPr lang="en-GB" dirty="0" smtClean="0">
+                <a:solidFill>
+                  <a:schemeClr val="tx1"/>
+                </a:solidFill>
+              </a:rPr>
+              <a:t>ADC</a:t>
+            </a:r>
+            <a:endParaRPr lang="en-GB" dirty="0">
+              <a:solidFill>
+                <a:schemeClr val="tx1"/>
+              </a:solidFill>
+            </a:endParaRPr>
+          </a:p>
+        </p:txBody>
+      </p:sp>
+      <p:sp>
+        <p:nvSpPr>
+          <p:cNvPr id="15" name="Rectangle 14"/>
           <p:cNvSpPr/>
           <p:nvPr/>
         </p:nvSpPr>
         <p:spPr>
           <a:xfrm>
-            <a:off x="1639443" y="2393146"/>
-            <a:ext cx="1368152" cy="144016"/>
+            <a:off x="460375" y="3435846"/>
+            <a:ext cx="2120528" cy="864096"/>
           </a:xfrm>
           <a:prstGeom prst="rect">
             <a:avLst/>
           </a:prstGeom>
           <a:noFill/>
-          <a:ln>
+          <a:ln w="38100">
             <a:solidFill>
               <a:srgbClr val="FF0000"/>
             </a:solidFill>
@@ -12581,27 +13309,39 @@
           <a:bodyPr rtlCol="0" anchor="ctr"/>
           <a:lstStyle/>
           <a:p>
-            <a:pPr algn="ctr"/>
-            <a:endParaRPr lang="en-GB" dirty="0"/>
-          </a:p>
-        </p:txBody>
-      </p:sp>
-      <p:sp>
-        <p:nvSpPr>
-          <p:cNvPr id="13" name="Rectangle 12"/>
+            <a:pPr algn="r"/>
+            <a:r>
+              <a:rPr lang="en-GB" dirty="0" smtClean="0">
+                <a:solidFill>
+                  <a:schemeClr val="tx1"/>
+                </a:solidFill>
+              </a:rPr>
+              <a:t>LED</a:t>
+            </a:r>
+            <a:endParaRPr lang="en-GB" dirty="0">
+              <a:solidFill>
+                <a:schemeClr val="tx1"/>
+              </a:solidFill>
+            </a:endParaRPr>
+          </a:p>
+        </p:txBody>
+      </p:sp>
+      <p:sp>
+        <p:nvSpPr>
+          <p:cNvPr id="16" name="Rectangle 15"/>
           <p:cNvSpPr/>
           <p:nvPr/>
         </p:nvSpPr>
         <p:spPr>
           <a:xfrm>
-            <a:off x="1646238" y="2877526"/>
-            <a:ext cx="1368152" cy="144016"/>
+            <a:off x="519448" y="2355726"/>
+            <a:ext cx="2120528" cy="180000"/>
           </a:xfrm>
           <a:prstGeom prst="rect">
             <a:avLst/>
           </a:prstGeom>
           <a:noFill/>
-          <a:ln>
+          <a:ln w="38100">
             <a:solidFill>
               <a:srgbClr val="FF0000"/>
             </a:solidFill>
@@ -12627,21 +13367,111 @@
           <a:bodyPr rtlCol="0" anchor="ctr"/>
           <a:lstStyle/>
           <a:p>
+            <a:pPr algn="r"/>
+            <a:r>
+              <a:rPr lang="en-GB" dirty="0" smtClean="0">
+                <a:solidFill>
+                  <a:schemeClr val="tx1"/>
+                </a:solidFill>
+              </a:rPr>
+              <a:t>SW</a:t>
+            </a:r>
+            <a:endParaRPr lang="en-GB" dirty="0">
+              <a:solidFill>
+                <a:schemeClr val="tx1"/>
+              </a:solidFill>
+            </a:endParaRPr>
+          </a:p>
+        </p:txBody>
+      </p:sp>
+      <p:sp>
+        <p:nvSpPr>
+          <p:cNvPr id="4" name="Rectangle 3"/>
+          <p:cNvSpPr/>
+          <p:nvPr/>
+        </p:nvSpPr>
+        <p:spPr>
+          <a:xfrm>
+            <a:off x="6732240" y="3651870"/>
+            <a:ext cx="432048" cy="318266"/>
+          </a:xfrm>
+          <a:prstGeom prst="rect">
+            <a:avLst/>
+          </a:prstGeom>
+          <a:solidFill>
+            <a:schemeClr val="bg1"/>
+          </a:solidFill>
+          <a:ln>
+            <a:solidFill>
+              <a:schemeClr val="bg1"/>
+            </a:solidFill>
+          </a:ln>
+        </p:spPr>
+        <p:style>
+          <a:lnRef idx="2">
+            <a:schemeClr val="accent1">
+              <a:shade val="50000"/>
+            </a:schemeClr>
+          </a:lnRef>
+          <a:fillRef idx="1">
+            <a:schemeClr val="accent1"/>
+          </a:fillRef>
+          <a:effectRef idx="0">
+            <a:schemeClr val="accent1"/>
+          </a:effectRef>
+          <a:fontRef idx="minor">
+            <a:schemeClr val="lt1"/>
+          </a:fontRef>
+        </p:style>
+        <p:txBody>
+          <a:bodyPr rtlCol="0" anchor="ctr"/>
+          <a:lstStyle/>
+          <a:p>
             <a:pPr algn="ctr"/>
-            <a:endParaRPr lang="en-GB" dirty="0"/>
-          </a:p>
-        </p:txBody>
-      </p:sp>
+            <a:endParaRPr lang="en-GB"/>
+          </a:p>
+        </p:txBody>
+      </p:sp>
+      <p:cxnSp>
+        <p:nvCxnSpPr>
+          <p:cNvPr id="10" name="Straight Connector 9"/>
+          <p:cNvCxnSpPr/>
+          <p:nvPr/>
+        </p:nvCxnSpPr>
+        <p:spPr>
+          <a:xfrm>
+            <a:off x="6660232" y="3867894"/>
+            <a:ext cx="648072" cy="0"/>
+          </a:xfrm>
+          <a:prstGeom prst="line">
+            <a:avLst/>
+          </a:prstGeom>
+        </p:spPr>
+        <p:style>
+          <a:lnRef idx="1">
+            <a:schemeClr val="accent1"/>
+          </a:lnRef>
+          <a:fillRef idx="0">
+            <a:schemeClr val="accent1"/>
+          </a:fillRef>
+          <a:effectRef idx="0">
+            <a:schemeClr val="accent1"/>
+          </a:effectRef>
+          <a:fontRef idx="minor">
+            <a:schemeClr val="tx1"/>
+          </a:fontRef>
+        </p:style>
+      </p:cxnSp>
       <p:pic>
         <p:nvPicPr>
-          <p:cNvPr id="14" name="Picture 2"/>
+          <p:cNvPr id="23" name="Picture 2"/>
           <p:cNvPicPr>
             <a:picLocks noChangeAspect="1" noChangeArrowheads="1"/>
           </p:cNvPicPr>
           <p:nvPr/>
         </p:nvPicPr>
         <p:blipFill>
-          <a:blip r:embed="rId3" cstate="print"/>
+          <a:blip r:embed="rId4" cstate="print"/>
           <a:srcRect/>
           <a:stretch>
             <a:fillRect/>
@@ -12667,91 +13497,7 @@
       </p:pic>
       <p:sp>
         <p:nvSpPr>
-          <p:cNvPr id="15" name="Rectangle 14"/>
-          <p:cNvSpPr/>
-          <p:nvPr/>
-        </p:nvSpPr>
-        <p:spPr>
-          <a:xfrm>
-            <a:off x="1646238" y="2221354"/>
-            <a:ext cx="1368152" cy="144016"/>
-          </a:xfrm>
-          <a:prstGeom prst="rect">
-            <a:avLst/>
-          </a:prstGeom>
-          <a:noFill/>
-          <a:ln>
-            <a:solidFill>
-              <a:srgbClr val="FF0000"/>
-            </a:solidFill>
-          </a:ln>
-        </p:spPr>
-        <p:style>
-          <a:lnRef idx="2">
-            <a:schemeClr val="accent1">
-              <a:shade val="50000"/>
-            </a:schemeClr>
-          </a:lnRef>
-          <a:fillRef idx="1">
-            <a:schemeClr val="accent1"/>
-          </a:fillRef>
-          <a:effectRef idx="0">
-            <a:schemeClr val="accent1"/>
-          </a:effectRef>
-          <a:fontRef idx="minor">
-            <a:schemeClr val="lt1"/>
-          </a:fontRef>
-        </p:style>
-        <p:txBody>
-          <a:bodyPr rtlCol="0" anchor="ctr"/>
-          <a:lstStyle/>
-          <a:p>
-            <a:pPr algn="ctr"/>
-            <a:endParaRPr lang="en-GB" dirty="0"/>
-          </a:p>
-        </p:txBody>
-      </p:sp>
-      <p:sp>
-        <p:nvSpPr>
-          <p:cNvPr id="16" name="TextBox 15"/>
-          <p:cNvSpPr txBox="1"/>
-          <p:nvPr/>
-        </p:nvSpPr>
-        <p:spPr>
-          <a:xfrm>
-            <a:off x="881415" y="2102481"/>
-            <a:ext cx="829073" cy="353943"/>
-          </a:xfrm>
-          <a:prstGeom prst="rect">
-            <a:avLst/>
-          </a:prstGeom>
-          <a:noFill/>
-        </p:spPr>
-        <p:txBody>
-          <a:bodyPr wrap="none" rtlCol="0">
-            <a:spAutoFit/>
-          </a:bodyPr>
-          <a:lstStyle/>
-          <a:p>
-            <a:r>
-              <a:rPr lang="en-GB" b="1" dirty="0" smtClean="0">
-                <a:solidFill>
-                  <a:srgbClr val="FF0000"/>
-                </a:solidFill>
-              </a:rPr>
-              <a:t>Switch</a:t>
-            </a:r>
-            <a:endParaRPr lang="en-GB" b="1" dirty="0">
-              <a:solidFill>
-                <a:srgbClr val="FF0000"/>
-              </a:solidFill>
-            </a:endParaRPr>
-          </a:p>
-        </p:txBody>
-      </p:sp>
-      <p:sp>
-        <p:nvSpPr>
-          <p:cNvPr id="4" name="Rectangle 3"/>
+          <p:cNvPr id="27" name="Rectangle 26"/>
           <p:cNvSpPr/>
           <p:nvPr/>
         </p:nvSpPr>
@@ -12797,7 +13543,7 @@
       </p:sp>
       <p:sp>
         <p:nvSpPr>
-          <p:cNvPr id="17" name="Rectangle 16"/>
+          <p:cNvPr id="28" name="Rectangle 27"/>
           <p:cNvSpPr/>
           <p:nvPr/>
         </p:nvSpPr>
@@ -12843,7 +13589,7 @@
       </p:sp>
       <p:cxnSp>
         <p:nvCxnSpPr>
-          <p:cNvPr id="6" name="Straight Connector 5"/>
+          <p:cNvPr id="29" name="Straight Connector 28"/>
           <p:cNvCxnSpPr/>
           <p:nvPr/>
         </p:nvCxnSpPr>
@@ -12878,7 +13624,7 @@
       </p:cxnSp>
       <p:sp>
         <p:nvSpPr>
-          <p:cNvPr id="18" name="Rectangle 17"/>
+          <p:cNvPr id="30" name="Rectangle 29"/>
           <p:cNvSpPr/>
           <p:nvPr/>
         </p:nvSpPr>
@@ -12924,7 +13670,7 @@
       </p:sp>
       <p:sp>
         <p:nvSpPr>
-          <p:cNvPr id="8" name="Pentagon 7"/>
+          <p:cNvPr id="31" name="Pentagon 30"/>
           <p:cNvSpPr/>
           <p:nvPr/>
         </p:nvSpPr>
@@ -12966,10 +13712,68 @@
           </a:p>
         </p:txBody>
       </p:sp>
+      <p:sp>
+        <p:nvSpPr>
+          <p:cNvPr id="32" name="Rectangle 31"/>
+          <p:cNvSpPr/>
+          <p:nvPr/>
+        </p:nvSpPr>
+        <p:spPr>
+          <a:xfrm>
+            <a:off x="519448" y="1566672"/>
+            <a:ext cx="2120528" cy="200406"/>
+          </a:xfrm>
+          <a:prstGeom prst="rect">
+            <a:avLst/>
+          </a:prstGeom>
+          <a:noFill/>
+          <a:ln w="38100">
+            <a:solidFill>
+              <a:srgbClr val="FF0000"/>
+            </a:solidFill>
+          </a:ln>
+        </p:spPr>
+        <p:style>
+          <a:lnRef idx="2">
+            <a:schemeClr val="accent1">
+              <a:shade val="50000"/>
+            </a:schemeClr>
+          </a:lnRef>
+          <a:fillRef idx="1">
+            <a:schemeClr val="accent1"/>
+          </a:fillRef>
+          <a:effectRef idx="0">
+            <a:schemeClr val="accent1"/>
+          </a:effectRef>
+          <a:fontRef idx="minor">
+            <a:schemeClr val="lt1"/>
+          </a:fontRef>
+        </p:style>
+        <p:txBody>
+          <a:bodyPr rtlCol="0" anchor="ctr"/>
+          <a:lstStyle/>
+          <a:p>
+            <a:pPr algn="r"/>
+            <a:r>
+              <a:rPr lang="en-GB" b="1" dirty="0" smtClean="0">
+                <a:solidFill>
+                  <a:schemeClr val="tx1"/>
+                </a:solidFill>
+              </a:rPr>
+              <a:t>SW</a:t>
+            </a:r>
+            <a:endParaRPr lang="en-GB" b="1" dirty="0">
+              <a:solidFill>
+                <a:schemeClr val="tx1"/>
+              </a:solidFill>
+            </a:endParaRPr>
+          </a:p>
+        </p:txBody>
+      </p:sp>
     </p:spTree>
     <p:extLst>
       <p:ext uri="{BB962C8B-B14F-4D97-AF65-F5344CB8AC3E}">
-        <p14:creationId xmlns:p14="http://schemas.microsoft.com/office/powerpoint/2010/main" val="1407943707"/>
+        <p14:creationId xmlns:p14="http://schemas.microsoft.com/office/powerpoint/2010/main" val="3333260752"/>
       </p:ext>
     </p:extLst>
   </p:cSld>
